--- a/Illegal_Possession_Images/Rhion_Possession_3_FTP_Traffic_crackzip.pptx
+++ b/Illegal_Possession_Images/Rhion_Possession_3_FTP_Traffic_crackzip.pptx
@@ -5,7 +5,7 @@
     <p:sldMasterId id="2147483648" r:id="rId1"/>
   </p:sldMasterIdLst>
   <p:notesMasterIdLst>
-    <p:notesMasterId r:id="rId28"/>
+    <p:notesMasterId r:id="rId29"/>
   </p:notesMasterIdLst>
   <p:sldIdLst>
     <p:sldId id="256" r:id="rId2"/>
@@ -22,18 +22,19 @@
     <p:sldId id="313" r:id="rId13"/>
     <p:sldId id="307" r:id="rId14"/>
     <p:sldId id="308" r:id="rId15"/>
-    <p:sldId id="309" r:id="rId16"/>
-    <p:sldId id="310" r:id="rId17"/>
-    <p:sldId id="318" r:id="rId18"/>
-    <p:sldId id="319" r:id="rId19"/>
-    <p:sldId id="320" r:id="rId20"/>
-    <p:sldId id="321" r:id="rId21"/>
-    <p:sldId id="322" r:id="rId22"/>
-    <p:sldId id="325" r:id="rId23"/>
-    <p:sldId id="324" r:id="rId24"/>
-    <p:sldId id="323" r:id="rId25"/>
-    <p:sldId id="326" r:id="rId26"/>
-    <p:sldId id="327" r:id="rId27"/>
+    <p:sldId id="331" r:id="rId16"/>
+    <p:sldId id="309" r:id="rId17"/>
+    <p:sldId id="310" r:id="rId18"/>
+    <p:sldId id="318" r:id="rId19"/>
+    <p:sldId id="319" r:id="rId20"/>
+    <p:sldId id="320" r:id="rId21"/>
+    <p:sldId id="321" r:id="rId22"/>
+    <p:sldId id="322" r:id="rId23"/>
+    <p:sldId id="325" r:id="rId24"/>
+    <p:sldId id="324" r:id="rId25"/>
+    <p:sldId id="323" r:id="rId26"/>
+    <p:sldId id="326" r:id="rId27"/>
+    <p:sldId id="327" r:id="rId28"/>
   </p:sldIdLst>
   <p:sldSz cx="12192000" cy="6858000"/>
   <p:notesSz cx="6858000" cy="9144000"/>
@@ -140,6 +141,80 @@
 </p:presentation>
 </file>
 
+<file path=ppt/changesInfos/changesInfo1.xml><?xml version="1.0" encoding="utf-8"?>
+<pc:chgInfo xmlns:a="http://schemas.openxmlformats.org/drawingml/2006/main" xmlns:r="http://schemas.openxmlformats.org/officeDocument/2006/relationships" xmlns:ac="http://schemas.microsoft.com/office/drawing/2013/main/command" xmlns:pc="http://schemas.microsoft.com/office/powerpoint/2013/main/command">
+  <pc:docChgLst>
+    <pc:chgData name="Weifeng Xu" userId="e7aed605-a3dd-4d5a-a692-a87037af107b" providerId="ADAL" clId="{1CFEA328-655B-443B-ACEF-D5C3C6EF8E5D}"/>
+    <pc:docChg chg="custSel addSld modSld">
+      <pc:chgData name="Weifeng Xu" userId="e7aed605-a3dd-4d5a-a692-a87037af107b" providerId="ADAL" clId="{1CFEA328-655B-443B-ACEF-D5C3C6EF8E5D}" dt="2021-02-19T15:26:28.349" v="30" actId="20577"/>
+      <pc:docMkLst>
+        <pc:docMk/>
+      </pc:docMkLst>
+      <pc:sldChg chg="addSp delSp modSp mod">
+        <pc:chgData name="Weifeng Xu" userId="e7aed605-a3dd-4d5a-a692-a87037af107b" providerId="ADAL" clId="{1CFEA328-655B-443B-ACEF-D5C3C6EF8E5D}" dt="2021-02-18T15:20:55.372" v="2" actId="478"/>
+        <pc:sldMkLst>
+          <pc:docMk/>
+          <pc:sldMk cId="1890865963" sldId="307"/>
+        </pc:sldMkLst>
+        <pc:spChg chg="add del mod">
+          <ac:chgData name="Weifeng Xu" userId="e7aed605-a3dd-4d5a-a692-a87037af107b" providerId="ADAL" clId="{1CFEA328-655B-443B-ACEF-D5C3C6EF8E5D}" dt="2021-02-18T15:20:55.372" v="2" actId="478"/>
+          <ac:spMkLst>
+            <pc:docMk/>
+            <pc:sldMk cId="1890865963" sldId="307"/>
+            <ac:spMk id="8" creationId="{FECE5C4D-EF95-4163-96AF-70B9F8BF3F08}"/>
+          </ac:spMkLst>
+        </pc:spChg>
+      </pc:sldChg>
+      <pc:sldChg chg="modNotesTx">
+        <pc:chgData name="Weifeng Xu" userId="e7aed605-a3dd-4d5a-a692-a87037af107b" providerId="ADAL" clId="{1CFEA328-655B-443B-ACEF-D5C3C6EF8E5D}" dt="2021-02-18T20:01:43.199" v="9"/>
+        <pc:sldMkLst>
+          <pc:docMk/>
+          <pc:sldMk cId="1937689110" sldId="309"/>
+        </pc:sldMkLst>
+      </pc:sldChg>
+      <pc:sldChg chg="modSp mod">
+        <pc:chgData name="Weifeng Xu" userId="e7aed605-a3dd-4d5a-a692-a87037af107b" providerId="ADAL" clId="{1CFEA328-655B-443B-ACEF-D5C3C6EF8E5D}" dt="2021-02-19T15:26:28.349" v="30" actId="20577"/>
+        <pc:sldMkLst>
+          <pc:docMk/>
+          <pc:sldMk cId="266128475" sldId="315"/>
+        </pc:sldMkLst>
+        <pc:spChg chg="mod">
+          <ac:chgData name="Weifeng Xu" userId="e7aed605-a3dd-4d5a-a692-a87037af107b" providerId="ADAL" clId="{1CFEA328-655B-443B-ACEF-D5C3C6EF8E5D}" dt="2021-02-19T15:26:28.349" v="30" actId="20577"/>
+          <ac:spMkLst>
+            <pc:docMk/>
+            <pc:sldMk cId="266128475" sldId="315"/>
+            <ac:spMk id="2" creationId="{00000000-0000-0000-0000-000000000000}"/>
+          </ac:spMkLst>
+        </pc:spChg>
+      </pc:sldChg>
+      <pc:sldChg chg="addSp delSp modSp new mod setBg modClrScheme chgLayout modNotesTx">
+        <pc:chgData name="Weifeng Xu" userId="e7aed605-a3dd-4d5a-a692-a87037af107b" providerId="ADAL" clId="{1CFEA328-655B-443B-ACEF-D5C3C6EF8E5D}" dt="2021-02-18T17:06:21.799" v="8"/>
+        <pc:sldMkLst>
+          <pc:docMk/>
+          <pc:sldMk cId="1152870789" sldId="331"/>
+        </pc:sldMkLst>
+        <pc:spChg chg="del">
+          <ac:chgData name="Weifeng Xu" userId="e7aed605-a3dd-4d5a-a692-a87037af107b" providerId="ADAL" clId="{1CFEA328-655B-443B-ACEF-D5C3C6EF8E5D}" dt="2021-02-18T17:05:55.226" v="4" actId="700"/>
+          <ac:spMkLst>
+            <pc:docMk/>
+            <pc:sldMk cId="1152870789" sldId="331"/>
+            <ac:spMk id="2" creationId="{CAD0F88C-C11E-4667-9B6D-B43AB20C3D13}"/>
+          </ac:spMkLst>
+        </pc:spChg>
+        <pc:picChg chg="add mod">
+          <ac:chgData name="Weifeng Xu" userId="e7aed605-a3dd-4d5a-a692-a87037af107b" providerId="ADAL" clId="{1CFEA328-655B-443B-ACEF-D5C3C6EF8E5D}" dt="2021-02-18T17:06:04.878" v="7" actId="27614"/>
+          <ac:picMkLst>
+            <pc:docMk/>
+            <pc:sldMk cId="1152870789" sldId="331"/>
+            <ac:picMk id="4" creationId="{0B2B9041-AAA5-42FD-887D-557432982447}"/>
+          </ac:picMkLst>
+        </pc:picChg>
+      </pc:sldChg>
+    </pc:docChg>
+  </pc:docChgLst>
+</pc:chgInfo>
+</file>
+
 <file path=ppt/notesMasters/notesMaster1.xml><?xml version="1.0" encoding="utf-8"?>
 <p:notesMaster xmlns:a="http://schemas.openxmlformats.org/drawingml/2006/main" xmlns:r="http://schemas.openxmlformats.org/officeDocument/2006/relationships" xmlns:p="http://schemas.openxmlformats.org/presentationml/2006/main">
   <p:cSld>
@@ -222,7 +297,7 @@
           <a:p>
             <a:fld id="{EE41F6E3-57F9-402E-BDBA-5B2DE11C8530}" type="datetimeFigureOut">
               <a:rPr lang="en-US" smtClean="0"/>
-              <a:t>10/23/2020</a:t>
+              <a:t>2/19/2021</a:t>
             </a:fld>
             <a:endParaRPr lang="en-US"/>
           </a:p>
@@ -286,38 +361,37 @@
           <a:p>
             <a:pPr lvl="0"/>
             <a:r>
-              <a:rPr lang="en-US" smtClean="0"/>
+              <a:rPr lang="en-US"/>
               <a:t>Click to edit Master text styles</a:t>
             </a:r>
           </a:p>
           <a:p>
             <a:pPr lvl="1"/>
             <a:r>
-              <a:rPr lang="en-US" smtClean="0"/>
+              <a:rPr lang="en-US"/>
               <a:t>Second level</a:t>
             </a:r>
           </a:p>
           <a:p>
             <a:pPr lvl="2"/>
             <a:r>
-              <a:rPr lang="en-US" smtClean="0"/>
+              <a:rPr lang="en-US"/>
               <a:t>Third level</a:t>
             </a:r>
           </a:p>
           <a:p>
             <a:pPr lvl="3"/>
             <a:r>
-              <a:rPr lang="en-US" smtClean="0"/>
+              <a:rPr lang="en-US"/>
               <a:t>Fourth level</a:t>
             </a:r>
           </a:p>
           <a:p>
             <a:pPr lvl="4"/>
             <a:r>
-              <a:rPr lang="en-US" smtClean="0"/>
+              <a:rPr lang="en-US"/>
               <a:t>Fifth level</a:t>
             </a:r>
-            <a:endParaRPr lang="en-US"/>
           </a:p>
         </p:txBody>
       </p:sp>
@@ -535,10 +609,9 @@
           <a:lstStyle/>
           <a:p>
             <a:r>
-              <a:rPr lang="en-US" dirty="0" smtClean="0"/>
+              <a:rPr lang="en-US" dirty="0"/>
               <a:t>https://www.youtube.com/watch?v=6G3qm60dfA8&amp;ab_channel=PrashantThombre</a:t>
             </a:r>
-            <a:endParaRPr lang="en-US" dirty="0"/>
           </a:p>
         </p:txBody>
       </p:sp>
@@ -623,10 +696,9 @@
           <a:lstStyle/>
           <a:p>
             <a:r>
-              <a:rPr lang="en-US" dirty="0" smtClean="0"/>
+              <a:rPr lang="en-US" dirty="0"/>
               <a:t>https://asecuritysite.com/forensics/magic</a:t>
             </a:r>
-            <a:endParaRPr lang="en-US" dirty="0"/>
           </a:p>
         </p:txBody>
       </p:sp>
@@ -711,8 +783,8 @@
           <a:lstStyle/>
           <a:p>
             <a:r>
-              <a:rPr lang="en-US" dirty="0" smtClean="0"/>
-              <a:t>https://www.mql5.com/en/articles/1971</a:t>
+              <a:rPr lang="en-GB" dirty="0"/>
+              <a:t>1767	2004-04-26 22:22:16.116439	137.30.120.40	137.30.122.253	FTP	111	Response: 150 Opening BINARY mode data connection for rhino3.jpg.</a:t>
             </a:r>
             <a:endParaRPr lang="en-US" dirty="0"/>
           </a:p>
@@ -725,7 +797,7 @@
             <a:spLocks noGrp="1"/>
           </p:cNvSpPr>
           <p:nvPr>
-            <p:ph type="sldNum" sz="quarter" idx="10"/>
+            <p:ph type="sldNum" sz="quarter" idx="5"/>
           </p:nvPr>
         </p:nvSpPr>
         <p:spPr/>
@@ -735,7 +807,7 @@
           <a:p>
             <a:fld id="{DDBF98C7-164A-4723-84F0-B1E4B080DDEC}" type="slidenum">
               <a:rPr lang="en-US" smtClean="0"/>
-              <a:t>20</a:t>
+              <a:t>15</a:t>
             </a:fld>
             <a:endParaRPr lang="en-US"/>
           </a:p>
@@ -744,7 +816,7 @@
     </p:spTree>
     <p:extLst>
       <p:ext uri="{BB962C8B-B14F-4D97-AF65-F5344CB8AC3E}">
-        <p14:creationId xmlns:p14="http://schemas.microsoft.com/office/powerpoint/2010/main" val="279112610"/>
+        <p14:creationId xmlns:p14="http://schemas.microsoft.com/office/powerpoint/2010/main" val="1175273270"/>
       </p:ext>
     </p:extLst>
   </p:cSld>
@@ -799,8 +871,8 @@
           <a:lstStyle/>
           <a:p>
             <a:r>
-              <a:rPr lang="en-US" dirty="0" smtClean="0"/>
-              <a:t>https://github.com/brannondorsey/naive-hashcat/releases/download/data/rockyou.txt</a:t>
+              <a:rPr lang="en-GB" dirty="0"/>
+              <a:t>5651	2004-04-26 22:26:46.699221	137.30.120.40	137.30.122.253	FTP	115	Response: 150 Opening BINARY mode data connection for contraband.zip.</a:t>
             </a:r>
             <a:endParaRPr lang="en-US" dirty="0"/>
           </a:p>
@@ -813,7 +885,7 @@
             <a:spLocks noGrp="1"/>
           </p:cNvSpPr>
           <p:nvPr>
-            <p:ph type="sldNum" sz="quarter" idx="10"/>
+            <p:ph type="sldNum" sz="quarter" idx="5"/>
           </p:nvPr>
         </p:nvSpPr>
         <p:spPr/>
@@ -823,7 +895,181 @@
           <a:p>
             <a:fld id="{DDBF98C7-164A-4723-84F0-B1E4B080DDEC}" type="slidenum">
               <a:rPr lang="en-US" smtClean="0"/>
-              <a:t>25</a:t>
+              <a:t>16</a:t>
+            </a:fld>
+            <a:endParaRPr lang="en-US"/>
+          </a:p>
+        </p:txBody>
+      </p:sp>
+    </p:spTree>
+    <p:extLst>
+      <p:ext uri="{BB962C8B-B14F-4D97-AF65-F5344CB8AC3E}">
+        <p14:creationId xmlns:p14="http://schemas.microsoft.com/office/powerpoint/2010/main" val="4160669424"/>
+      </p:ext>
+    </p:extLst>
+  </p:cSld>
+  <p:clrMapOvr>
+    <a:masterClrMapping/>
+  </p:clrMapOvr>
+</p:notes>
+</file>
+
+<file path=ppt/notesSlides/notesSlide5.xml><?xml version="1.0" encoding="utf-8"?>
+<p:notes xmlns:a="http://schemas.openxmlformats.org/drawingml/2006/main" xmlns:r="http://schemas.openxmlformats.org/officeDocument/2006/relationships" xmlns:p="http://schemas.openxmlformats.org/presentationml/2006/main">
+  <p:cSld>
+    <p:spTree>
+      <p:nvGrpSpPr>
+        <p:cNvPr id="1" name=""/>
+        <p:cNvGrpSpPr/>
+        <p:nvPr/>
+      </p:nvGrpSpPr>
+      <p:grpSpPr>
+        <a:xfrm>
+          <a:off x="0" y="0"/>
+          <a:ext cx="0" cy="0"/>
+          <a:chOff x="0" y="0"/>
+          <a:chExt cx="0" cy="0"/>
+        </a:xfrm>
+      </p:grpSpPr>
+      <p:sp>
+        <p:nvSpPr>
+          <p:cNvPr id="2" name="Slide Image Placeholder 1"/>
+          <p:cNvSpPr>
+            <a:spLocks noGrp="1" noRot="1" noChangeAspect="1"/>
+          </p:cNvSpPr>
+          <p:nvPr>
+            <p:ph type="sldImg"/>
+          </p:nvPr>
+        </p:nvSpPr>
+        <p:spPr/>
+      </p:sp>
+      <p:sp>
+        <p:nvSpPr>
+          <p:cNvPr id="3" name="Notes Placeholder 2"/>
+          <p:cNvSpPr>
+            <a:spLocks noGrp="1"/>
+          </p:cNvSpPr>
+          <p:nvPr>
+            <p:ph type="body" idx="1"/>
+          </p:nvPr>
+        </p:nvSpPr>
+        <p:spPr/>
+        <p:txBody>
+          <a:bodyPr/>
+          <a:lstStyle/>
+          <a:p>
+            <a:r>
+              <a:rPr lang="en-US" dirty="0"/>
+              <a:t>https://www.mql5.com/en/articles/1971</a:t>
+            </a:r>
+          </a:p>
+        </p:txBody>
+      </p:sp>
+      <p:sp>
+        <p:nvSpPr>
+          <p:cNvPr id="4" name="Slide Number Placeholder 3"/>
+          <p:cNvSpPr>
+            <a:spLocks noGrp="1"/>
+          </p:cNvSpPr>
+          <p:nvPr>
+            <p:ph type="sldNum" sz="quarter" idx="10"/>
+          </p:nvPr>
+        </p:nvSpPr>
+        <p:spPr/>
+        <p:txBody>
+          <a:bodyPr/>
+          <a:lstStyle/>
+          <a:p>
+            <a:fld id="{DDBF98C7-164A-4723-84F0-B1E4B080DDEC}" type="slidenum">
+              <a:rPr lang="en-US" smtClean="0"/>
+              <a:t>21</a:t>
+            </a:fld>
+            <a:endParaRPr lang="en-US"/>
+          </a:p>
+        </p:txBody>
+      </p:sp>
+    </p:spTree>
+    <p:extLst>
+      <p:ext uri="{BB962C8B-B14F-4D97-AF65-F5344CB8AC3E}">
+        <p14:creationId xmlns:p14="http://schemas.microsoft.com/office/powerpoint/2010/main" val="279112610"/>
+      </p:ext>
+    </p:extLst>
+  </p:cSld>
+  <p:clrMapOvr>
+    <a:masterClrMapping/>
+  </p:clrMapOvr>
+</p:notes>
+</file>
+
+<file path=ppt/notesSlides/notesSlide6.xml><?xml version="1.0" encoding="utf-8"?>
+<p:notes xmlns:a="http://schemas.openxmlformats.org/drawingml/2006/main" xmlns:r="http://schemas.openxmlformats.org/officeDocument/2006/relationships" xmlns:p="http://schemas.openxmlformats.org/presentationml/2006/main">
+  <p:cSld>
+    <p:spTree>
+      <p:nvGrpSpPr>
+        <p:cNvPr id="1" name=""/>
+        <p:cNvGrpSpPr/>
+        <p:nvPr/>
+      </p:nvGrpSpPr>
+      <p:grpSpPr>
+        <a:xfrm>
+          <a:off x="0" y="0"/>
+          <a:ext cx="0" cy="0"/>
+          <a:chOff x="0" y="0"/>
+          <a:chExt cx="0" cy="0"/>
+        </a:xfrm>
+      </p:grpSpPr>
+      <p:sp>
+        <p:nvSpPr>
+          <p:cNvPr id="2" name="Slide Image Placeholder 1"/>
+          <p:cNvSpPr>
+            <a:spLocks noGrp="1" noRot="1" noChangeAspect="1"/>
+          </p:cNvSpPr>
+          <p:nvPr>
+            <p:ph type="sldImg"/>
+          </p:nvPr>
+        </p:nvSpPr>
+        <p:spPr/>
+      </p:sp>
+      <p:sp>
+        <p:nvSpPr>
+          <p:cNvPr id="3" name="Notes Placeholder 2"/>
+          <p:cNvSpPr>
+            <a:spLocks noGrp="1"/>
+          </p:cNvSpPr>
+          <p:nvPr>
+            <p:ph type="body" idx="1"/>
+          </p:nvPr>
+        </p:nvSpPr>
+        <p:spPr/>
+        <p:txBody>
+          <a:bodyPr/>
+          <a:lstStyle/>
+          <a:p>
+            <a:r>
+              <a:rPr lang="en-US" dirty="0"/>
+              <a:t>https://github.com/brannondorsey/naive-hashcat/releases/download/data/rockyou.txt</a:t>
+            </a:r>
+          </a:p>
+        </p:txBody>
+      </p:sp>
+      <p:sp>
+        <p:nvSpPr>
+          <p:cNvPr id="4" name="Slide Number Placeholder 3"/>
+          <p:cNvSpPr>
+            <a:spLocks noGrp="1"/>
+          </p:cNvSpPr>
+          <p:nvPr>
+            <p:ph type="sldNum" sz="quarter" idx="10"/>
+          </p:nvPr>
+        </p:nvSpPr>
+        <p:spPr/>
+        <p:txBody>
+          <a:bodyPr/>
+          <a:lstStyle/>
+          <a:p>
+            <a:fld id="{DDBF98C7-164A-4723-84F0-B1E4B080DDEC}" type="slidenum">
+              <a:rPr lang="en-US" smtClean="0"/>
+              <a:t>26</a:t>
             </a:fld>
             <a:endParaRPr lang="en-US"/>
           </a:p>
@@ -884,10 +1130,9 @@
           </a:lstStyle>
           <a:p>
             <a:r>
-              <a:rPr lang="en-US" smtClean="0"/>
+              <a:rPr lang="en-US"/>
               <a:t>Click to edit Master title style</a:t>
             </a:r>
-            <a:endParaRPr lang="en-US"/>
           </a:p>
         </p:txBody>
       </p:sp>
@@ -949,10 +1194,9 @@
           </a:lstStyle>
           <a:p>
             <a:r>
-              <a:rPr lang="en-US" smtClean="0"/>
+              <a:rPr lang="en-US"/>
               <a:t>Click to edit Master subtitle style</a:t>
             </a:r>
-            <a:endParaRPr lang="en-US"/>
           </a:p>
         </p:txBody>
       </p:sp>
@@ -973,7 +1217,7 @@
           <a:p>
             <a:fld id="{4263717A-E3C1-4BED-ABE0-B7069385E023}" type="datetimeFigureOut">
               <a:rPr lang="en-US" smtClean="0"/>
-              <a:t>10/23/2020</a:t>
+              <a:t>2/19/2021</a:t>
             </a:fld>
             <a:endParaRPr lang="en-US"/>
           </a:p>
@@ -1072,10 +1316,9 @@
           <a:lstStyle/>
           <a:p>
             <a:r>
-              <a:rPr lang="en-US" smtClean="0"/>
+              <a:rPr lang="en-US"/>
               <a:t>Click to edit Master title style</a:t>
             </a:r>
-            <a:endParaRPr lang="en-US"/>
           </a:p>
         </p:txBody>
       </p:sp>
@@ -1096,38 +1339,37 @@
           <a:p>
             <a:pPr lvl="0"/>
             <a:r>
-              <a:rPr lang="en-US" smtClean="0"/>
+              <a:rPr lang="en-US"/>
               <a:t>Click to edit Master text styles</a:t>
             </a:r>
           </a:p>
           <a:p>
             <a:pPr lvl="1"/>
             <a:r>
-              <a:rPr lang="en-US" smtClean="0"/>
+              <a:rPr lang="en-US"/>
               <a:t>Second level</a:t>
             </a:r>
           </a:p>
           <a:p>
             <a:pPr lvl="2"/>
             <a:r>
-              <a:rPr lang="en-US" smtClean="0"/>
+              <a:rPr lang="en-US"/>
               <a:t>Third level</a:t>
             </a:r>
           </a:p>
           <a:p>
             <a:pPr lvl="3"/>
             <a:r>
-              <a:rPr lang="en-US" smtClean="0"/>
+              <a:rPr lang="en-US"/>
               <a:t>Fourth level</a:t>
             </a:r>
           </a:p>
           <a:p>
             <a:pPr lvl="4"/>
             <a:r>
-              <a:rPr lang="en-US" smtClean="0"/>
+              <a:rPr lang="en-US"/>
               <a:t>Fifth level</a:t>
             </a:r>
-            <a:endParaRPr lang="en-US"/>
           </a:p>
         </p:txBody>
       </p:sp>
@@ -1148,7 +1390,7 @@
           <a:p>
             <a:fld id="{4263717A-E3C1-4BED-ABE0-B7069385E023}" type="datetimeFigureOut">
               <a:rPr lang="en-US" smtClean="0"/>
-              <a:t>10/23/2020</a:t>
+              <a:t>2/19/2021</a:t>
             </a:fld>
             <a:endParaRPr lang="en-US"/>
           </a:p>
@@ -1247,10 +1489,9 @@
           <a:lstStyle/>
           <a:p>
             <a:r>
-              <a:rPr lang="en-US" smtClean="0"/>
+              <a:rPr lang="en-US"/>
               <a:t>Click to edit Master title style</a:t>
             </a:r>
-            <a:endParaRPr lang="en-US"/>
           </a:p>
         </p:txBody>
       </p:sp>
@@ -1276,38 +1517,37 @@
           <a:p>
             <a:pPr lvl="0"/>
             <a:r>
-              <a:rPr lang="en-US" smtClean="0"/>
+              <a:rPr lang="en-US"/>
               <a:t>Click to edit Master text styles</a:t>
             </a:r>
           </a:p>
           <a:p>
             <a:pPr lvl="1"/>
             <a:r>
-              <a:rPr lang="en-US" smtClean="0"/>
+              <a:rPr lang="en-US"/>
               <a:t>Second level</a:t>
             </a:r>
           </a:p>
           <a:p>
             <a:pPr lvl="2"/>
             <a:r>
-              <a:rPr lang="en-US" smtClean="0"/>
+              <a:rPr lang="en-US"/>
               <a:t>Third level</a:t>
             </a:r>
           </a:p>
           <a:p>
             <a:pPr lvl="3"/>
             <a:r>
-              <a:rPr lang="en-US" smtClean="0"/>
+              <a:rPr lang="en-US"/>
               <a:t>Fourth level</a:t>
             </a:r>
           </a:p>
           <a:p>
             <a:pPr lvl="4"/>
             <a:r>
-              <a:rPr lang="en-US" smtClean="0"/>
+              <a:rPr lang="en-US"/>
               <a:t>Fifth level</a:t>
             </a:r>
-            <a:endParaRPr lang="en-US"/>
           </a:p>
         </p:txBody>
       </p:sp>
@@ -1328,7 +1568,7 @@
           <a:p>
             <a:fld id="{4263717A-E3C1-4BED-ABE0-B7069385E023}" type="datetimeFigureOut">
               <a:rPr lang="en-US" smtClean="0"/>
-              <a:t>10/23/2020</a:t>
+              <a:t>2/19/2021</a:t>
             </a:fld>
             <a:endParaRPr lang="en-US"/>
           </a:p>
@@ -1422,10 +1662,9 @@
           <a:lstStyle/>
           <a:p>
             <a:r>
-              <a:rPr lang="en-US" smtClean="0"/>
+              <a:rPr lang="en-US"/>
               <a:t>Click to edit Master title style</a:t>
             </a:r>
-            <a:endParaRPr lang="en-US"/>
           </a:p>
         </p:txBody>
       </p:sp>
@@ -1446,38 +1685,37 @@
           <a:p>
             <a:pPr lvl="0"/>
             <a:r>
-              <a:rPr lang="en-US" smtClean="0"/>
+              <a:rPr lang="en-US"/>
               <a:t>Click to edit Master text styles</a:t>
             </a:r>
           </a:p>
           <a:p>
             <a:pPr lvl="1"/>
             <a:r>
-              <a:rPr lang="en-US" smtClean="0"/>
+              <a:rPr lang="en-US"/>
               <a:t>Second level</a:t>
             </a:r>
           </a:p>
           <a:p>
             <a:pPr lvl="2"/>
             <a:r>
-              <a:rPr lang="en-US" smtClean="0"/>
+              <a:rPr lang="en-US"/>
               <a:t>Third level</a:t>
             </a:r>
           </a:p>
           <a:p>
             <a:pPr lvl="3"/>
             <a:r>
-              <a:rPr lang="en-US" smtClean="0"/>
+              <a:rPr lang="en-US"/>
               <a:t>Fourth level</a:t>
             </a:r>
           </a:p>
           <a:p>
             <a:pPr lvl="4"/>
             <a:r>
-              <a:rPr lang="en-US" smtClean="0"/>
+              <a:rPr lang="en-US"/>
               <a:t>Fifth level</a:t>
             </a:r>
-            <a:endParaRPr lang="en-US"/>
           </a:p>
         </p:txBody>
       </p:sp>
@@ -1498,7 +1736,7 @@
           <a:p>
             <a:fld id="{4263717A-E3C1-4BED-ABE0-B7069385E023}" type="datetimeFigureOut">
               <a:rPr lang="en-US" smtClean="0"/>
-              <a:t>10/23/2020</a:t>
+              <a:t>2/19/2021</a:t>
             </a:fld>
             <a:endParaRPr lang="en-US"/>
           </a:p>
@@ -1601,10 +1839,9 @@
           </a:lstStyle>
           <a:p>
             <a:r>
-              <a:rPr lang="en-US" smtClean="0"/>
+              <a:rPr lang="en-US"/>
               <a:t>Click to edit Master title style</a:t>
             </a:r>
-            <a:endParaRPr lang="en-US"/>
           </a:p>
         </p:txBody>
       </p:sp>
@@ -1721,7 +1958,7 @@
           <a:p>
             <a:pPr lvl="0"/>
             <a:r>
-              <a:rPr lang="en-US" smtClean="0"/>
+              <a:rPr lang="en-US"/>
               <a:t>Click to edit Master text styles</a:t>
             </a:r>
           </a:p>
@@ -1744,7 +1981,7 @@
           <a:p>
             <a:fld id="{4263717A-E3C1-4BED-ABE0-B7069385E023}" type="datetimeFigureOut">
               <a:rPr lang="en-US" smtClean="0"/>
-              <a:t>10/23/2020</a:t>
+              <a:t>2/19/2021</a:t>
             </a:fld>
             <a:endParaRPr lang="en-US"/>
           </a:p>
@@ -1838,10 +2075,9 @@
           <a:lstStyle/>
           <a:p>
             <a:r>
-              <a:rPr lang="en-US" smtClean="0"/>
+              <a:rPr lang="en-US"/>
               <a:t>Click to edit Master title style</a:t>
             </a:r>
-            <a:endParaRPr lang="en-US"/>
           </a:p>
         </p:txBody>
       </p:sp>
@@ -1867,38 +2103,37 @@
           <a:p>
             <a:pPr lvl="0"/>
             <a:r>
-              <a:rPr lang="en-US" smtClean="0"/>
+              <a:rPr lang="en-US"/>
               <a:t>Click to edit Master text styles</a:t>
             </a:r>
           </a:p>
           <a:p>
             <a:pPr lvl="1"/>
             <a:r>
-              <a:rPr lang="en-US" smtClean="0"/>
+              <a:rPr lang="en-US"/>
               <a:t>Second level</a:t>
             </a:r>
           </a:p>
           <a:p>
             <a:pPr lvl="2"/>
             <a:r>
-              <a:rPr lang="en-US" smtClean="0"/>
+              <a:rPr lang="en-US"/>
               <a:t>Third level</a:t>
             </a:r>
           </a:p>
           <a:p>
             <a:pPr lvl="3"/>
             <a:r>
-              <a:rPr lang="en-US" smtClean="0"/>
+              <a:rPr lang="en-US"/>
               <a:t>Fourth level</a:t>
             </a:r>
           </a:p>
           <a:p>
             <a:pPr lvl="4"/>
             <a:r>
-              <a:rPr lang="en-US" smtClean="0"/>
+              <a:rPr lang="en-US"/>
               <a:t>Fifth level</a:t>
             </a:r>
-            <a:endParaRPr lang="en-US"/>
           </a:p>
         </p:txBody>
       </p:sp>
@@ -1924,38 +2159,37 @@
           <a:p>
             <a:pPr lvl="0"/>
             <a:r>
-              <a:rPr lang="en-US" smtClean="0"/>
+              <a:rPr lang="en-US"/>
               <a:t>Click to edit Master text styles</a:t>
             </a:r>
           </a:p>
           <a:p>
             <a:pPr lvl="1"/>
             <a:r>
-              <a:rPr lang="en-US" smtClean="0"/>
+              <a:rPr lang="en-US"/>
               <a:t>Second level</a:t>
             </a:r>
           </a:p>
           <a:p>
             <a:pPr lvl="2"/>
             <a:r>
-              <a:rPr lang="en-US" smtClean="0"/>
+              <a:rPr lang="en-US"/>
               <a:t>Third level</a:t>
             </a:r>
           </a:p>
           <a:p>
             <a:pPr lvl="3"/>
             <a:r>
-              <a:rPr lang="en-US" smtClean="0"/>
+              <a:rPr lang="en-US"/>
               <a:t>Fourth level</a:t>
             </a:r>
           </a:p>
           <a:p>
             <a:pPr lvl="4"/>
             <a:r>
-              <a:rPr lang="en-US" smtClean="0"/>
+              <a:rPr lang="en-US"/>
               <a:t>Fifth level</a:t>
             </a:r>
-            <a:endParaRPr lang="en-US"/>
           </a:p>
         </p:txBody>
       </p:sp>
@@ -1976,7 +2210,7 @@
           <a:p>
             <a:fld id="{4263717A-E3C1-4BED-ABE0-B7069385E023}" type="datetimeFigureOut">
               <a:rPr lang="en-US" smtClean="0"/>
-              <a:t>10/23/2020</a:t>
+              <a:t>2/19/2021</a:t>
             </a:fld>
             <a:endParaRPr lang="en-US"/>
           </a:p>
@@ -2075,10 +2309,9 @@
           <a:lstStyle/>
           <a:p>
             <a:r>
-              <a:rPr lang="en-US" smtClean="0"/>
+              <a:rPr lang="en-US"/>
               <a:t>Click to edit Master title style</a:t>
             </a:r>
-            <a:endParaRPr lang="en-US"/>
           </a:p>
         </p:txBody>
       </p:sp>
@@ -2141,7 +2374,7 @@
           <a:p>
             <a:pPr lvl="0"/>
             <a:r>
-              <a:rPr lang="en-US" smtClean="0"/>
+              <a:rPr lang="en-US"/>
               <a:t>Click to edit Master text styles</a:t>
             </a:r>
           </a:p>
@@ -2169,38 +2402,37 @@
           <a:p>
             <a:pPr lvl="0"/>
             <a:r>
-              <a:rPr lang="en-US" smtClean="0"/>
+              <a:rPr lang="en-US"/>
               <a:t>Click to edit Master text styles</a:t>
             </a:r>
           </a:p>
           <a:p>
             <a:pPr lvl="1"/>
             <a:r>
-              <a:rPr lang="en-US" smtClean="0"/>
+              <a:rPr lang="en-US"/>
               <a:t>Second level</a:t>
             </a:r>
           </a:p>
           <a:p>
             <a:pPr lvl="2"/>
             <a:r>
-              <a:rPr lang="en-US" smtClean="0"/>
+              <a:rPr lang="en-US"/>
               <a:t>Third level</a:t>
             </a:r>
           </a:p>
           <a:p>
             <a:pPr lvl="3"/>
             <a:r>
-              <a:rPr lang="en-US" smtClean="0"/>
+              <a:rPr lang="en-US"/>
               <a:t>Fourth level</a:t>
             </a:r>
           </a:p>
           <a:p>
             <a:pPr lvl="4"/>
             <a:r>
-              <a:rPr lang="en-US" smtClean="0"/>
+              <a:rPr lang="en-US"/>
               <a:t>Fifth level</a:t>
             </a:r>
-            <a:endParaRPr lang="en-US"/>
           </a:p>
         </p:txBody>
       </p:sp>
@@ -2263,7 +2495,7 @@
           <a:p>
             <a:pPr lvl="0"/>
             <a:r>
-              <a:rPr lang="en-US" smtClean="0"/>
+              <a:rPr lang="en-US"/>
               <a:t>Click to edit Master text styles</a:t>
             </a:r>
           </a:p>
@@ -2291,38 +2523,37 @@
           <a:p>
             <a:pPr lvl="0"/>
             <a:r>
-              <a:rPr lang="en-US" smtClean="0"/>
+              <a:rPr lang="en-US"/>
               <a:t>Click to edit Master text styles</a:t>
             </a:r>
           </a:p>
           <a:p>
             <a:pPr lvl="1"/>
             <a:r>
-              <a:rPr lang="en-US" smtClean="0"/>
+              <a:rPr lang="en-US"/>
               <a:t>Second level</a:t>
             </a:r>
           </a:p>
           <a:p>
             <a:pPr lvl="2"/>
             <a:r>
-              <a:rPr lang="en-US" smtClean="0"/>
+              <a:rPr lang="en-US"/>
               <a:t>Third level</a:t>
             </a:r>
           </a:p>
           <a:p>
             <a:pPr lvl="3"/>
             <a:r>
-              <a:rPr lang="en-US" smtClean="0"/>
+              <a:rPr lang="en-US"/>
               <a:t>Fourth level</a:t>
             </a:r>
           </a:p>
           <a:p>
             <a:pPr lvl="4"/>
             <a:r>
-              <a:rPr lang="en-US" smtClean="0"/>
+              <a:rPr lang="en-US"/>
               <a:t>Fifth level</a:t>
             </a:r>
-            <a:endParaRPr lang="en-US"/>
           </a:p>
         </p:txBody>
       </p:sp>
@@ -2343,7 +2574,7 @@
           <a:p>
             <a:fld id="{4263717A-E3C1-4BED-ABE0-B7069385E023}" type="datetimeFigureOut">
               <a:rPr lang="en-US" smtClean="0"/>
-              <a:t>10/23/2020</a:t>
+              <a:t>2/19/2021</a:t>
             </a:fld>
             <a:endParaRPr lang="en-US"/>
           </a:p>
@@ -2437,10 +2668,9 @@
           <a:lstStyle/>
           <a:p>
             <a:r>
-              <a:rPr lang="en-US" smtClean="0"/>
+              <a:rPr lang="en-US"/>
               <a:t>Click to edit Master title style</a:t>
             </a:r>
-            <a:endParaRPr lang="en-US"/>
           </a:p>
         </p:txBody>
       </p:sp>
@@ -2461,7 +2691,7 @@
           <a:p>
             <a:fld id="{4263717A-E3C1-4BED-ABE0-B7069385E023}" type="datetimeFigureOut">
               <a:rPr lang="en-US" smtClean="0"/>
-              <a:t>10/23/2020</a:t>
+              <a:t>2/19/2021</a:t>
             </a:fld>
             <a:endParaRPr lang="en-US"/>
           </a:p>
@@ -2556,7 +2786,7 @@
           <a:p>
             <a:fld id="{4263717A-E3C1-4BED-ABE0-B7069385E023}" type="datetimeFigureOut">
               <a:rPr lang="en-US" smtClean="0"/>
-              <a:t>10/23/2020</a:t>
+              <a:t>2/19/2021</a:t>
             </a:fld>
             <a:endParaRPr lang="en-US"/>
           </a:p>
@@ -2659,10 +2889,9 @@
           </a:lstStyle>
           <a:p>
             <a:r>
-              <a:rPr lang="en-US" smtClean="0"/>
+              <a:rPr lang="en-US"/>
               <a:t>Click to edit Master title style</a:t>
             </a:r>
-            <a:endParaRPr lang="en-US"/>
           </a:p>
         </p:txBody>
       </p:sp>
@@ -2716,38 +2945,37 @@
           <a:p>
             <a:pPr lvl="0"/>
             <a:r>
-              <a:rPr lang="en-US" smtClean="0"/>
+              <a:rPr lang="en-US"/>
               <a:t>Click to edit Master text styles</a:t>
             </a:r>
           </a:p>
           <a:p>
             <a:pPr lvl="1"/>
             <a:r>
-              <a:rPr lang="en-US" smtClean="0"/>
+              <a:rPr lang="en-US"/>
               <a:t>Second level</a:t>
             </a:r>
           </a:p>
           <a:p>
             <a:pPr lvl="2"/>
             <a:r>
-              <a:rPr lang="en-US" smtClean="0"/>
+              <a:rPr lang="en-US"/>
               <a:t>Third level</a:t>
             </a:r>
           </a:p>
           <a:p>
             <a:pPr lvl="3"/>
             <a:r>
-              <a:rPr lang="en-US" smtClean="0"/>
+              <a:rPr lang="en-US"/>
               <a:t>Fourth level</a:t>
             </a:r>
           </a:p>
           <a:p>
             <a:pPr lvl="4"/>
             <a:r>
-              <a:rPr lang="en-US" smtClean="0"/>
+              <a:rPr lang="en-US"/>
               <a:t>Fifth level</a:t>
             </a:r>
-            <a:endParaRPr lang="en-US"/>
           </a:p>
         </p:txBody>
       </p:sp>
@@ -2810,7 +3038,7 @@
           <a:p>
             <a:pPr lvl="0"/>
             <a:r>
-              <a:rPr lang="en-US" smtClean="0"/>
+              <a:rPr lang="en-US"/>
               <a:t>Click to edit Master text styles</a:t>
             </a:r>
           </a:p>
@@ -2833,7 +3061,7 @@
           <a:p>
             <a:fld id="{4263717A-E3C1-4BED-ABE0-B7069385E023}" type="datetimeFigureOut">
               <a:rPr lang="en-US" smtClean="0"/>
-              <a:t>10/23/2020</a:t>
+              <a:t>2/19/2021</a:t>
             </a:fld>
             <a:endParaRPr lang="en-US"/>
           </a:p>
@@ -2936,10 +3164,9 @@
           </a:lstStyle>
           <a:p>
             <a:r>
-              <a:rPr lang="en-US" smtClean="0"/>
+              <a:rPr lang="en-US"/>
               <a:t>Click to edit Master title style</a:t>
             </a:r>
-            <a:endParaRPr lang="en-US"/>
           </a:p>
         </p:txBody>
       </p:sp>
@@ -3063,7 +3290,7 @@
           <a:p>
             <a:pPr lvl="0"/>
             <a:r>
-              <a:rPr lang="en-US" smtClean="0"/>
+              <a:rPr lang="en-US"/>
               <a:t>Click to edit Master text styles</a:t>
             </a:r>
           </a:p>
@@ -3086,7 +3313,7 @@
           <a:p>
             <a:fld id="{4263717A-E3C1-4BED-ABE0-B7069385E023}" type="datetimeFigureOut">
               <a:rPr lang="en-US" smtClean="0"/>
-              <a:t>10/23/2020</a:t>
+              <a:t>2/19/2021</a:t>
             </a:fld>
             <a:endParaRPr lang="en-US"/>
           </a:p>
@@ -3195,10 +3422,9 @@
           <a:lstStyle/>
           <a:p>
             <a:r>
-              <a:rPr lang="en-US" smtClean="0"/>
+              <a:rPr lang="en-US"/>
               <a:t>Click to edit Master title style</a:t>
             </a:r>
-            <a:endParaRPr lang="en-US"/>
           </a:p>
         </p:txBody>
       </p:sp>
@@ -3229,38 +3455,37 @@
           <a:p>
             <a:pPr lvl="0"/>
             <a:r>
-              <a:rPr lang="en-US" smtClean="0"/>
+              <a:rPr lang="en-US"/>
               <a:t>Click to edit Master text styles</a:t>
             </a:r>
           </a:p>
           <a:p>
             <a:pPr lvl="1"/>
             <a:r>
-              <a:rPr lang="en-US" smtClean="0"/>
+              <a:rPr lang="en-US"/>
               <a:t>Second level</a:t>
             </a:r>
           </a:p>
           <a:p>
             <a:pPr lvl="2"/>
             <a:r>
-              <a:rPr lang="en-US" smtClean="0"/>
+              <a:rPr lang="en-US"/>
               <a:t>Third level</a:t>
             </a:r>
           </a:p>
           <a:p>
             <a:pPr lvl="3"/>
             <a:r>
-              <a:rPr lang="en-US" smtClean="0"/>
+              <a:rPr lang="en-US"/>
               <a:t>Fourth level</a:t>
             </a:r>
           </a:p>
           <a:p>
             <a:pPr lvl="4"/>
             <a:r>
-              <a:rPr lang="en-US" smtClean="0"/>
+              <a:rPr lang="en-US"/>
               <a:t>Fifth level</a:t>
             </a:r>
-            <a:endParaRPr lang="en-US"/>
           </a:p>
         </p:txBody>
       </p:sp>
@@ -3299,7 +3524,7 @@
           <a:p>
             <a:fld id="{4263717A-E3C1-4BED-ABE0-B7069385E023}" type="datetimeFigureOut">
               <a:rPr lang="en-US" smtClean="0"/>
-              <a:t>10/23/2020</a:t>
+              <a:t>2/19/2021</a:t>
             </a:fld>
             <a:endParaRPr lang="en-US"/>
           </a:p>
@@ -3884,10 +4109,9 @@
           <a:lstStyle/>
           <a:p>
             <a:r>
-              <a:rPr lang="en-US" dirty="0" smtClean="0"/>
+              <a:rPr lang="en-US" dirty="0"/>
               <a:t>Rhino Hunting – Illegal Possession Investigation</a:t>
             </a:r>
-            <a:endParaRPr lang="en-US" dirty="0"/>
           </a:p>
         </p:txBody>
       </p:sp>
@@ -3907,10 +4131,9 @@
           <a:lstStyle/>
           <a:p>
             <a:r>
-              <a:rPr lang="en-US" dirty="0" smtClean="0"/>
+              <a:rPr lang="en-US" dirty="0"/>
               <a:t>Traffic Log Analysis: FTP</a:t>
             </a:r>
-            <a:endParaRPr lang="en-US" dirty="0"/>
           </a:p>
         </p:txBody>
       </p:sp>
@@ -4057,10 +4280,9 @@
           <a:lstStyle/>
           <a:p>
             <a:r>
-              <a:rPr lang="en-US" dirty="0" smtClean="0"/>
+              <a:rPr lang="en-US" dirty="0"/>
               <a:t>Verify rhino1.jpg magic number</a:t>
             </a:r>
-            <a:endParaRPr lang="en-US" dirty="0"/>
           </a:p>
         </p:txBody>
       </p:sp>
@@ -4092,10 +4314,9 @@
           <a:lstStyle/>
           <a:p>
             <a:r>
-              <a:rPr lang="en-US" dirty="0" smtClean="0"/>
+              <a:rPr lang="en-US" dirty="0"/>
               <a:t>Other commonly file types and their magic numbers</a:t>
             </a:r>
-            <a:endParaRPr lang="en-US" dirty="0"/>
           </a:p>
         </p:txBody>
       </p:sp>
@@ -4202,10 +4423,9 @@
           <a:lstStyle/>
           <a:p>
             <a:r>
-              <a:rPr lang="en-US" dirty="0" smtClean="0"/>
+              <a:rPr lang="en-US" dirty="0"/>
               <a:t>Verify the end of the rhino1.jpg magic number</a:t>
             </a:r>
-            <a:endParaRPr lang="en-US" dirty="0"/>
           </a:p>
         </p:txBody>
       </p:sp>
@@ -4234,10 +4454,9 @@
           <a:lstStyle/>
           <a:p>
             <a:r>
-              <a:rPr lang="en-US" dirty="0" smtClean="0"/>
+              <a:rPr lang="en-US" dirty="0"/>
               <a:t>Save the Raw data to rhino1.jpg</a:t>
             </a:r>
-            <a:endParaRPr lang="en-US" dirty="0"/>
           </a:p>
         </p:txBody>
       </p:sp>
@@ -4320,10 +4539,9 @@
           <a:lstStyle/>
           <a:p>
             <a:r>
-              <a:rPr lang="en-US" dirty="0" smtClean="0"/>
+              <a:rPr lang="en-US" dirty="0"/>
               <a:t>Verify rhino1.jpg magic number</a:t>
             </a:r>
-            <a:endParaRPr lang="en-US" dirty="0"/>
           </a:p>
         </p:txBody>
       </p:sp>
@@ -4352,10 +4570,9 @@
           <a:lstStyle/>
           <a:p>
             <a:r>
-              <a:rPr lang="en-US" dirty="0" smtClean="0"/>
+              <a:rPr lang="en-US" dirty="0"/>
               <a:t>Verify rhino1.jpg trailer </a:t>
             </a:r>
-            <a:endParaRPr lang="en-US" dirty="0"/>
           </a:p>
         </p:txBody>
       </p:sp>
@@ -4438,10 +4655,9 @@
           <a:lstStyle/>
           <a:p>
             <a:r>
-              <a:rPr lang="en-US" dirty="0" smtClean="0"/>
+              <a:rPr lang="en-US" dirty="0"/>
               <a:t>Show rhino1.jpg. You can close it after see it.</a:t>
             </a:r>
-            <a:endParaRPr lang="en-US" dirty="0"/>
           </a:p>
         </p:txBody>
       </p:sp>
@@ -4498,18 +4714,13 @@
           <a:lstStyle/>
           <a:p>
             <a:r>
-              <a:rPr lang="en-US" sz="4800" b="1" dirty="0" smtClean="0">
+              <a:rPr lang="en-US" sz="4800" b="1" dirty="0">
                 <a:solidFill>
                   <a:srgbClr val="FF0000"/>
                 </a:solidFill>
               </a:rPr>
               <a:t>5</a:t>
             </a:r>
-            <a:endParaRPr lang="en-US" sz="4800" b="1" dirty="0">
-              <a:solidFill>
-                <a:srgbClr val="FF0000"/>
-              </a:solidFill>
-            </a:endParaRPr>
           </a:p>
         </p:txBody>
       </p:sp>
@@ -4642,15 +4853,7 @@
           <a:p>
             <a:r>
               <a:rPr lang="en-US" dirty="0"/>
-              <a:t>Investigate the </a:t>
-            </a:r>
-            <a:r>
-              <a:rPr lang="en-US" dirty="0" smtClean="0"/>
-              <a:t>second FTP </a:t>
-            </a:r>
-            <a:r>
-              <a:rPr lang="en-US" dirty="0"/>
-              <a:t>session</a:t>
+              <a:t>Investigate the second FTP session</a:t>
             </a:r>
           </a:p>
         </p:txBody>
@@ -4680,12 +4883,8 @@
           <a:lstStyle/>
           <a:p>
             <a:r>
-              <a:rPr lang="en-US" dirty="0" smtClean="0"/>
-              <a:t>Choose the second FTP </a:t>
-            </a:r>
-            <a:r>
               <a:rPr lang="en-US" dirty="0"/>
-              <a:t>session</a:t>
+              <a:t>Choose the second FTP session</a:t>
             </a:r>
           </a:p>
         </p:txBody>
@@ -4715,10 +4914,9 @@
           <a:lstStyle/>
           <a:p>
             <a:r>
-              <a:rPr lang="en-US" dirty="0" smtClean="0"/>
+              <a:rPr lang="en-US" dirty="0"/>
               <a:t>Repeat previous steps to find rhino3.jpg</a:t>
             </a:r>
-            <a:endParaRPr lang="en-US" dirty="0"/>
           </a:p>
         </p:txBody>
       </p:sp>
@@ -4809,18 +5007,13 @@
           <a:lstStyle/>
           <a:p>
             <a:r>
-              <a:rPr lang="en-US" sz="4800" b="1" dirty="0" smtClean="0">
+              <a:rPr lang="en-US" sz="4800" b="1" dirty="0">
                 <a:solidFill>
                   <a:srgbClr val="FF0000"/>
                 </a:solidFill>
               </a:rPr>
               <a:t>6</a:t>
             </a:r>
-            <a:endParaRPr lang="en-US" sz="4800" b="1" dirty="0">
-              <a:solidFill>
-                <a:srgbClr val="FF0000"/>
-              </a:solidFill>
-            </a:endParaRPr>
           </a:p>
         </p:txBody>
       </p:sp>
@@ -4840,6 +5033,14 @@
 <file path=ppt/slides/slide15.xml><?xml version="1.0" encoding="utf-8"?>
 <p:sld xmlns:a="http://schemas.openxmlformats.org/drawingml/2006/main" xmlns:r="http://schemas.openxmlformats.org/officeDocument/2006/relationships" xmlns:p="http://schemas.openxmlformats.org/presentationml/2006/main">
   <p:cSld>
+    <p:bg>
+      <p:bgPr>
+        <a:solidFill>
+          <a:schemeClr val="bg1"/>
+        </a:solidFill>
+        <a:effectLst/>
+      </p:bgPr>
+    </p:bg>
     <p:spTree>
       <p:nvGrpSpPr>
         <p:cNvPr id="1" name=""/>
@@ -4856,31 +5057,13 @@
       </p:grpSpPr>
       <p:pic>
         <p:nvPicPr>
-          <p:cNvPr id="2" name="Picture 1"/>
-          <p:cNvPicPr>
-            <a:picLocks noChangeAspect="1"/>
-          </p:cNvPicPr>
-          <p:nvPr/>
-        </p:nvPicPr>
-        <p:blipFill>
-          <a:blip r:embed="rId2"/>
-          <a:stretch>
-            <a:fillRect/>
-          </a:stretch>
-        </p:blipFill>
-        <p:spPr>
-          <a:xfrm>
-            <a:off x="483180" y="2156873"/>
-            <a:ext cx="3657917" cy="1531753"/>
-          </a:xfrm>
-          <a:prstGeom prst="rect">
-            <a:avLst/>
-          </a:prstGeom>
-        </p:spPr>
-      </p:pic>
-      <p:pic>
-        <p:nvPicPr>
-          <p:cNvPr id="3" name="Picture 2"/>
+          <p:cNvPr id="4" name="Picture 3" descr="Text, table&#10;&#10;Description automatically generated with medium confidence">
+            <a:extLst>
+              <a:ext uri="{FF2B5EF4-FFF2-40B4-BE49-F238E27FC236}">
+                <a16:creationId xmlns:a16="http://schemas.microsoft.com/office/drawing/2014/main" id="{0B2B9041-AAA5-42FD-887D-557432982447}"/>
+              </a:ext>
+            </a:extLst>
+          </p:cNvPr>
           <p:cNvPicPr>
             <a:picLocks noChangeAspect="1"/>
           </p:cNvPicPr>
@@ -4894,115 +5077,18 @@
         </p:blipFill>
         <p:spPr>
           <a:xfrm>
-            <a:off x="4491763" y="2156873"/>
-            <a:ext cx="7275727" cy="4225452"/>
+            <a:off x="643467" y="1438826"/>
+            <a:ext cx="10905066" cy="3980347"/>
           </a:xfrm>
           <a:prstGeom prst="rect">
             <a:avLst/>
           </a:prstGeom>
         </p:spPr>
       </p:pic>
-      <p:sp>
-        <p:nvSpPr>
-          <p:cNvPr id="4" name="Rectangle 3"/>
-          <p:cNvSpPr/>
-          <p:nvPr/>
-        </p:nvSpPr>
-        <p:spPr>
-          <a:xfrm>
-            <a:off x="483180" y="1787541"/>
-            <a:ext cx="2872966" cy="369332"/>
-          </a:xfrm>
-          <a:prstGeom prst="rect">
-            <a:avLst/>
-          </a:prstGeom>
-          <a:solidFill>
-            <a:srgbClr val="FFC000"/>
-          </a:solidFill>
-        </p:spPr>
-        <p:txBody>
-          <a:bodyPr wrap="none">
-            <a:spAutoFit/>
-          </a:bodyPr>
-          <a:lstStyle/>
-          <a:p>
-            <a:r>
-              <a:rPr lang="en-US" dirty="0" smtClean="0"/>
-              <a:t>Choose the third FTP </a:t>
-            </a:r>
-            <a:r>
-              <a:rPr lang="en-US" dirty="0"/>
-              <a:t>session</a:t>
-            </a:r>
-          </a:p>
-        </p:txBody>
-      </p:sp>
-      <p:sp>
-        <p:nvSpPr>
-          <p:cNvPr id="5" name="Rectangle 4"/>
-          <p:cNvSpPr/>
-          <p:nvPr/>
-        </p:nvSpPr>
-        <p:spPr>
-          <a:xfrm>
-            <a:off x="4491763" y="1787541"/>
-            <a:ext cx="4229428" cy="369332"/>
-          </a:xfrm>
-          <a:prstGeom prst="rect">
-            <a:avLst/>
-          </a:prstGeom>
-          <a:solidFill>
-            <a:srgbClr val="FFC000"/>
-          </a:solidFill>
-        </p:spPr>
-        <p:txBody>
-          <a:bodyPr wrap="none">
-            <a:spAutoFit/>
-          </a:bodyPr>
-          <a:lstStyle/>
-          <a:p>
-            <a:r>
-              <a:rPr lang="en-US" dirty="0" smtClean="0"/>
-              <a:t>Repeat previous steps to follow TCP stream</a:t>
-            </a:r>
-            <a:endParaRPr lang="en-US" dirty="0"/>
-          </a:p>
-        </p:txBody>
-      </p:sp>
-      <p:sp>
-        <p:nvSpPr>
-          <p:cNvPr id="6" name="Title 5"/>
-          <p:cNvSpPr>
-            <a:spLocks noGrp="1"/>
-          </p:cNvSpPr>
-          <p:nvPr>
-            <p:ph type="title"/>
-          </p:nvPr>
-        </p:nvSpPr>
-        <p:spPr/>
-        <p:txBody>
-          <a:bodyPr/>
-          <a:lstStyle/>
-          <a:p>
-            <a:r>
-              <a:rPr lang="en-US" dirty="0"/>
-              <a:t>Investigate the </a:t>
-            </a:r>
-            <a:r>
-              <a:rPr lang="en-US" dirty="0" smtClean="0"/>
-              <a:t>third FTP </a:t>
-            </a:r>
-            <a:r>
-              <a:rPr lang="en-US" dirty="0"/>
-              <a:t>session</a:t>
-            </a:r>
-          </a:p>
-        </p:txBody>
-      </p:sp>
     </p:spTree>
     <p:extLst>
       <p:ext uri="{BB962C8B-B14F-4D97-AF65-F5344CB8AC3E}">
-        <p14:creationId xmlns:p14="http://schemas.microsoft.com/office/powerpoint/2010/main" val="1937689110"/>
+        <p14:creationId xmlns:p14="http://schemas.microsoft.com/office/powerpoint/2010/main" val="1152870789"/>
       </p:ext>
     </p:extLst>
   </p:cSld>
@@ -5038,31 +5124,55 @@
           <p:nvPr/>
         </p:nvPicPr>
         <p:blipFill>
-          <a:blip r:embed="rId2"/>
+          <a:blip r:embed="rId3"/>
           <a:stretch>
             <a:fillRect/>
           </a:stretch>
         </p:blipFill>
         <p:spPr>
           <a:xfrm>
-            <a:off x="3906986" y="897956"/>
-            <a:ext cx="6775097" cy="4951799"/>
+            <a:off x="483180" y="2156873"/>
+            <a:ext cx="3657917" cy="1531753"/>
           </a:xfrm>
           <a:prstGeom prst="rect">
             <a:avLst/>
           </a:prstGeom>
         </p:spPr>
       </p:pic>
-      <p:sp>
-        <p:nvSpPr>
-          <p:cNvPr id="3" name="Rectangle 2"/>
+      <p:pic>
+        <p:nvPicPr>
+          <p:cNvPr id="3" name="Picture 2"/>
+          <p:cNvPicPr>
+            <a:picLocks noChangeAspect="1"/>
+          </p:cNvPicPr>
+          <p:nvPr/>
+        </p:nvPicPr>
+        <p:blipFill>
+          <a:blip r:embed="rId4"/>
+          <a:stretch>
+            <a:fillRect/>
+          </a:stretch>
+        </p:blipFill>
+        <p:spPr>
+          <a:xfrm>
+            <a:off x="4491763" y="2156873"/>
+            <a:ext cx="7275727" cy="4225452"/>
+          </a:xfrm>
+          <a:prstGeom prst="rect">
+            <a:avLst/>
+          </a:prstGeom>
+        </p:spPr>
+      </p:pic>
+      <p:sp>
+        <p:nvSpPr>
+          <p:cNvPr id="4" name="Rectangle 3"/>
           <p:cNvSpPr/>
           <p:nvPr/>
         </p:nvSpPr>
         <p:spPr>
           <a:xfrm>
-            <a:off x="1034020" y="2205565"/>
-            <a:ext cx="2872966" cy="923330"/>
+            <a:off x="483180" y="1787541"/>
+            <a:ext cx="2872966" cy="369332"/>
           </a:xfrm>
           <a:prstGeom prst="rect">
             <a:avLst/>
@@ -5072,29 +5182,28 @@
           </a:solidFill>
         </p:spPr>
         <p:txBody>
-          <a:bodyPr wrap="square">
+          <a:bodyPr wrap="none">
             <a:spAutoFit/>
           </a:bodyPr>
           <a:lstStyle/>
           <a:p>
             <a:r>
-              <a:rPr lang="en-US" dirty="0" smtClean="0"/>
-              <a:t>Suspect wants to upload  contraband.zip file to a server</a:t>
-            </a:r>
-            <a:endParaRPr lang="en-US" dirty="0"/>
-          </a:p>
-        </p:txBody>
-      </p:sp>
-      <p:sp>
-        <p:nvSpPr>
-          <p:cNvPr id="4" name="Rectangle 3"/>
+              <a:rPr lang="en-US" dirty="0"/>
+              <a:t>Choose the third FTP session</a:t>
+            </a:r>
+          </a:p>
+        </p:txBody>
+      </p:sp>
+      <p:sp>
+        <p:nvSpPr>
+          <p:cNvPr id="5" name="Rectangle 4"/>
           <p:cNvSpPr/>
           <p:nvPr/>
         </p:nvSpPr>
         <p:spPr>
           <a:xfrm>
-            <a:off x="1034020" y="3263018"/>
-            <a:ext cx="2872966" cy="646331"/>
+            <a:off x="4491763" y="1787541"/>
+            <a:ext cx="4229428" cy="369332"/>
           </a:xfrm>
           <a:prstGeom prst="rect">
             <a:avLst/>
@@ -5104,23 +5213,44 @@
           </a:solidFill>
         </p:spPr>
         <p:txBody>
-          <a:bodyPr wrap="square">
+          <a:bodyPr wrap="none">
             <a:spAutoFit/>
           </a:bodyPr>
           <a:lstStyle/>
           <a:p>
             <a:r>
-              <a:rPr lang="en-US" dirty="0" smtClean="0"/>
-              <a:t>The server is ready to accept data</a:t>
-            </a:r>
-            <a:endParaRPr lang="en-US" dirty="0"/>
+              <a:rPr lang="en-US" dirty="0"/>
+              <a:t>Repeat previous steps to follow TCP stream</a:t>
+            </a:r>
+          </a:p>
+        </p:txBody>
+      </p:sp>
+      <p:sp>
+        <p:nvSpPr>
+          <p:cNvPr id="6" name="Title 5"/>
+          <p:cNvSpPr>
+            <a:spLocks noGrp="1"/>
+          </p:cNvSpPr>
+          <p:nvPr>
+            <p:ph type="title"/>
+          </p:nvPr>
+        </p:nvSpPr>
+        <p:spPr/>
+        <p:txBody>
+          <a:bodyPr/>
+          <a:lstStyle/>
+          <a:p>
+            <a:r>
+              <a:rPr lang="en-US" dirty="0"/>
+              <a:t>Investigate the third FTP session</a:t>
+            </a:r>
           </a:p>
         </p:txBody>
       </p:sp>
     </p:spTree>
     <p:extLst>
       <p:ext uri="{BB962C8B-B14F-4D97-AF65-F5344CB8AC3E}">
-        <p14:creationId xmlns:p14="http://schemas.microsoft.com/office/powerpoint/2010/main" val="4026382364"/>
+        <p14:creationId xmlns:p14="http://schemas.microsoft.com/office/powerpoint/2010/main" val="1937689110"/>
       </p:ext>
     </p:extLst>
   </p:cSld>
@@ -5163,8 +5293,8 @@
         </p:blipFill>
         <p:spPr>
           <a:xfrm>
-            <a:off x="760769" y="2761708"/>
-            <a:ext cx="10354692" cy="1967310"/>
+            <a:off x="3906986" y="897956"/>
+            <a:ext cx="6775097" cy="4951799"/>
           </a:xfrm>
           <a:prstGeom prst="rect">
             <a:avLst/>
@@ -5179,8 +5309,8 @@
         </p:nvSpPr>
         <p:spPr>
           <a:xfrm>
-            <a:off x="760769" y="2392376"/>
-            <a:ext cx="6688901" cy="369332"/>
+            <a:off x="1034020" y="2205565"/>
+            <a:ext cx="2872966" cy="923330"/>
           </a:xfrm>
           <a:prstGeom prst="rect">
             <a:avLst/>
@@ -5196,25 +5326,47 @@
           <a:lstStyle/>
           <a:p>
             <a:r>
-              <a:rPr lang="en-US" dirty="0" smtClean="0"/>
-              <a:t>The </a:t>
-            </a:r>
-            <a:r>
               <a:rPr lang="en-US" dirty="0"/>
-              <a:t>packet number </a:t>
-            </a:r>
-            <a:r>
-              <a:rPr lang="en-US" dirty="0" smtClean="0"/>
-              <a:t>5651 shows that the server is ready to upload</a:t>
-            </a:r>
-            <a:endParaRPr lang="en-US" dirty="0"/>
+              <a:t>Suspect wants to upload  contraband.zip file to a server</a:t>
+            </a:r>
+          </a:p>
+        </p:txBody>
+      </p:sp>
+      <p:sp>
+        <p:nvSpPr>
+          <p:cNvPr id="4" name="Rectangle 3"/>
+          <p:cNvSpPr/>
+          <p:nvPr/>
+        </p:nvSpPr>
+        <p:spPr>
+          <a:xfrm>
+            <a:off x="1034020" y="3263018"/>
+            <a:ext cx="2872966" cy="646331"/>
+          </a:xfrm>
+          <a:prstGeom prst="rect">
+            <a:avLst/>
+          </a:prstGeom>
+          <a:solidFill>
+            <a:srgbClr val="FFC000"/>
+          </a:solidFill>
+        </p:spPr>
+        <p:txBody>
+          <a:bodyPr wrap="square">
+            <a:spAutoFit/>
+          </a:bodyPr>
+          <a:lstStyle/>
+          <a:p>
+            <a:r>
+              <a:rPr lang="en-US" dirty="0"/>
+              <a:t>The server is ready to accept data</a:t>
+            </a:r>
           </a:p>
         </p:txBody>
       </p:sp>
     </p:spTree>
     <p:extLst>
       <p:ext uri="{BB962C8B-B14F-4D97-AF65-F5344CB8AC3E}">
-        <p14:creationId xmlns:p14="http://schemas.microsoft.com/office/powerpoint/2010/main" val="1901825267"/>
+        <p14:creationId xmlns:p14="http://schemas.microsoft.com/office/powerpoint/2010/main" val="4026382364"/>
       </p:ext>
     </p:extLst>
   </p:cSld>
@@ -5243,7 +5395,7 @@
       </p:grpSpPr>
       <p:pic>
         <p:nvPicPr>
-          <p:cNvPr id="3" name="Picture 2"/>
+          <p:cNvPr id="2" name="Picture 1"/>
           <p:cNvPicPr>
             <a:picLocks noChangeAspect="1"/>
           </p:cNvPicPr>
@@ -5257,8 +5409,8 @@
         </p:blipFill>
         <p:spPr>
           <a:xfrm>
-            <a:off x="1706915" y="1133266"/>
-            <a:ext cx="8000503" cy="5101277"/>
+            <a:off x="760769" y="2761708"/>
+            <a:ext cx="10354692" cy="1967310"/>
           </a:xfrm>
           <a:prstGeom prst="rect">
             <a:avLst/>
@@ -5267,14 +5419,14 @@
       </p:pic>
       <p:sp>
         <p:nvSpPr>
-          <p:cNvPr id="4" name="Rectangle 3"/>
+          <p:cNvPr id="3" name="Rectangle 2"/>
           <p:cNvSpPr/>
           <p:nvPr/>
         </p:nvSpPr>
         <p:spPr>
           <a:xfrm>
-            <a:off x="1706915" y="486935"/>
-            <a:ext cx="8000503" cy="646331"/>
+            <a:off x="760769" y="2392376"/>
+            <a:ext cx="6688901" cy="369332"/>
           </a:xfrm>
           <a:prstGeom prst="rect">
             <a:avLst/>
@@ -5290,25 +5442,16 @@
           <a:lstStyle/>
           <a:p>
             <a:r>
-              <a:rPr lang="en-US" dirty="0" smtClean="0"/>
-              <a:t>Next packet </a:t>
-            </a:r>
-            <a:r>
               <a:rPr lang="en-US" dirty="0"/>
-              <a:t>number </a:t>
-            </a:r>
-            <a:r>
-              <a:rPr lang="en-US" dirty="0" smtClean="0"/>
-              <a:t>(5651+1)  indicates that the suspect starts to upload, and we need to follow the TCP stream</a:t>
-            </a:r>
-            <a:endParaRPr lang="en-US" dirty="0"/>
+              <a:t>The packet number 5651 shows that the server is ready to upload</a:t>
+            </a:r>
           </a:p>
         </p:txBody>
       </p:sp>
     </p:spTree>
     <p:extLst>
       <p:ext uri="{BB962C8B-B14F-4D97-AF65-F5344CB8AC3E}">
-        <p14:creationId xmlns:p14="http://schemas.microsoft.com/office/powerpoint/2010/main" val="104729440"/>
+        <p14:creationId xmlns:p14="http://schemas.microsoft.com/office/powerpoint/2010/main" val="1901825267"/>
       </p:ext>
     </p:extLst>
   </p:cSld>
@@ -5337,7 +5480,7 @@
       </p:grpSpPr>
       <p:pic>
         <p:nvPicPr>
-          <p:cNvPr id="2" name="Picture 1"/>
+          <p:cNvPr id="3" name="Picture 2"/>
           <p:cNvPicPr>
             <a:picLocks noChangeAspect="1"/>
           </p:cNvPicPr>
@@ -5351,32 +5494,8 @@
         </p:blipFill>
         <p:spPr>
           <a:xfrm>
-            <a:off x="7056295" y="1456062"/>
-            <a:ext cx="4310191" cy="2523039"/>
-          </a:xfrm>
-          <a:prstGeom prst="rect">
-            <a:avLst/>
-          </a:prstGeom>
-        </p:spPr>
-      </p:pic>
-      <p:pic>
-        <p:nvPicPr>
-          <p:cNvPr id="3" name="Picture 2"/>
-          <p:cNvPicPr>
-            <a:picLocks noChangeAspect="1"/>
-          </p:cNvPicPr>
-          <p:nvPr/>
-        </p:nvPicPr>
-        <p:blipFill>
-          <a:blip r:embed="rId3"/>
-          <a:stretch>
-            <a:fillRect/>
-          </a:stretch>
-        </p:blipFill>
-        <p:spPr>
-          <a:xfrm>
-            <a:off x="582015" y="1456062"/>
-            <a:ext cx="6058929" cy="4519291"/>
+            <a:off x="1706915" y="1133266"/>
+            <a:ext cx="8000503" cy="5101277"/>
           </a:xfrm>
           <a:prstGeom prst="rect">
             <a:avLst/>
@@ -5391,8 +5510,8 @@
         </p:nvSpPr>
         <p:spPr>
           <a:xfrm>
-            <a:off x="582015" y="1086730"/>
-            <a:ext cx="6058929" cy="369332"/>
+            <a:off x="1706915" y="486935"/>
+            <a:ext cx="8000503" cy="646331"/>
           </a:xfrm>
           <a:prstGeom prst="rect">
             <a:avLst/>
@@ -5408,17 +5527,16 @@
           <a:lstStyle/>
           <a:p>
             <a:r>
-              <a:rPr lang="en-US" dirty="0" smtClean="0"/>
-              <a:t>Verify the .zip magic number</a:t>
-            </a:r>
-            <a:endParaRPr lang="en-US" dirty="0"/>
+              <a:rPr lang="en-US" dirty="0"/>
+              <a:t>Next packet number (5651+1)  indicates that the suspect starts to upload, and we need to follow the TCP stream</a:t>
+            </a:r>
           </a:p>
         </p:txBody>
       </p:sp>
     </p:spTree>
     <p:extLst>
       <p:ext uri="{BB962C8B-B14F-4D97-AF65-F5344CB8AC3E}">
-        <p14:creationId xmlns:p14="http://schemas.microsoft.com/office/powerpoint/2010/main" val="2688303311"/>
+        <p14:creationId xmlns:p14="http://schemas.microsoft.com/office/powerpoint/2010/main" val="104729440"/>
       </p:ext>
     </p:extLst>
   </p:cSld>
@@ -5461,10 +5579,9 @@
           <a:lstStyle/>
           <a:p>
             <a:r>
-              <a:rPr lang="en-US" dirty="0" smtClean="0"/>
+              <a:rPr lang="en-US" dirty="0"/>
               <a:t>Investigate rhino.log</a:t>
             </a:r>
-            <a:endParaRPr lang="en-US" dirty="0"/>
           </a:p>
         </p:txBody>
       </p:sp>
@@ -5484,10 +5601,9 @@
           <a:lstStyle/>
           <a:p>
             <a:r>
-              <a:rPr lang="en-US" dirty="0" smtClean="0"/>
+              <a:rPr lang="en-US" dirty="0"/>
               <a:t>FTP traffic forensics</a:t>
             </a:r>
-            <a:endParaRPr lang="en-US" dirty="0"/>
           </a:p>
         </p:txBody>
       </p:sp>
@@ -5523,6 +5639,30 @@
       </p:grpSpPr>
       <p:pic>
         <p:nvPicPr>
+          <p:cNvPr id="2" name="Picture 1"/>
+          <p:cNvPicPr>
+            <a:picLocks noChangeAspect="1"/>
+          </p:cNvPicPr>
+          <p:nvPr/>
+        </p:nvPicPr>
+        <p:blipFill>
+          <a:blip r:embed="rId2"/>
+          <a:stretch>
+            <a:fillRect/>
+          </a:stretch>
+        </p:blipFill>
+        <p:spPr>
+          <a:xfrm>
+            <a:off x="7056295" y="1456062"/>
+            <a:ext cx="4310191" cy="2523039"/>
+          </a:xfrm>
+          <a:prstGeom prst="rect">
+            <a:avLst/>
+          </a:prstGeom>
+        </p:spPr>
+      </p:pic>
+      <p:pic>
+        <p:nvPicPr>
           <p:cNvPr id="3" name="Picture 2"/>
           <p:cNvPicPr>
             <a:picLocks noChangeAspect="1"/>
@@ -5537,67 +5677,30 @@
         </p:blipFill>
         <p:spPr>
           <a:xfrm>
-            <a:off x="6494736" y="2644536"/>
-            <a:ext cx="4677498" cy="2688641"/>
-          </a:xfrm>
-          <a:prstGeom prst="rect">
-            <a:avLst/>
-          </a:prstGeom>
-          <a:ln>
-            <a:noFill/>
-          </a:ln>
-          <a:effectLst>
-            <a:outerShdw blurRad="292100" dist="139700" dir="2700000" algn="tl" rotWithShape="0">
-              <a:srgbClr val="333333">
-                <a:alpha val="65000"/>
-              </a:srgbClr>
-            </a:outerShdw>
-          </a:effectLst>
+            <a:off x="582015" y="1456062"/>
+            <a:ext cx="6058929" cy="4519291"/>
+          </a:xfrm>
+          <a:prstGeom prst="rect">
+            <a:avLst/>
+          </a:prstGeom>
         </p:spPr>
       </p:pic>
-      <p:pic>
-        <p:nvPicPr>
-          <p:cNvPr id="4" name="Picture 3"/>
-          <p:cNvPicPr>
-            <a:picLocks noChangeAspect="1"/>
-          </p:cNvPicPr>
-          <p:nvPr/>
-        </p:nvPicPr>
-        <p:blipFill>
-          <a:blip r:embed="rId4"/>
-          <a:stretch>
-            <a:fillRect/>
-          </a:stretch>
-        </p:blipFill>
-        <p:spPr>
-          <a:xfrm>
-            <a:off x="884042" y="1545709"/>
-            <a:ext cx="5159187" cy="3787468"/>
-          </a:xfrm>
-          <a:prstGeom prst="rect">
-            <a:avLst/>
-          </a:prstGeom>
-        </p:spPr>
-      </p:pic>
-      <p:sp>
-        <p:nvSpPr>
-          <p:cNvPr id="5" name="Rectangle 4"/>
+      <p:sp>
+        <p:nvSpPr>
+          <p:cNvPr id="4" name="Rectangle 3"/>
           <p:cNvSpPr/>
           <p:nvPr/>
         </p:nvSpPr>
         <p:spPr>
           <a:xfrm>
-            <a:off x="2724727" y="3879817"/>
-            <a:ext cx="2022764" cy="615553"/>
+            <a:off x="582015" y="1086730"/>
+            <a:ext cx="6058929" cy="369332"/>
           </a:xfrm>
           <a:prstGeom prst="rect">
             <a:avLst/>
           </a:prstGeom>
           <a:solidFill>
-            <a:schemeClr val="accent4">
-              <a:lumMod val="20000"/>
-              <a:lumOff val="80000"/>
-            </a:schemeClr>
+            <a:srgbClr val="FFC000"/>
           </a:solidFill>
         </p:spPr>
         <p:txBody>
@@ -5607,111 +5710,16 @@
           <a:lstStyle/>
           <a:p>
             <a:r>
-              <a:rPr lang="en-US" sz="1600" dirty="0" smtClean="0">
-                <a:solidFill>
-                  <a:srgbClr val="333333"/>
-                </a:solidFill>
-                <a:latin typeface="Arial" panose="020B0604020202020204" pitchFamily="34" charset="0"/>
-              </a:rPr>
-              <a:t>signature of </a:t>
-            </a:r>
-            <a:r>
-              <a:rPr lang="en-US" sz="1600" dirty="0">
-                <a:solidFill>
-                  <a:srgbClr val="333333"/>
-                </a:solidFill>
-                <a:latin typeface="Arial" panose="020B0604020202020204" pitchFamily="34" charset="0"/>
-              </a:rPr>
-              <a:t>end of central directory</a:t>
-            </a:r>
-            <a:r>
-              <a:rPr lang="en-US" dirty="0">
-                <a:solidFill>
-                  <a:srgbClr val="333333"/>
-                </a:solidFill>
-                <a:latin typeface="Arial" panose="020B0604020202020204" pitchFamily="34" charset="0"/>
-              </a:rPr>
-              <a:t> </a:t>
-            </a:r>
-            <a:endParaRPr lang="en-US" dirty="0"/>
-          </a:p>
-        </p:txBody>
-      </p:sp>
-      <p:sp>
-        <p:nvSpPr>
-          <p:cNvPr id="6" name="Rectangle 5"/>
-          <p:cNvSpPr/>
-          <p:nvPr/>
-        </p:nvSpPr>
-        <p:spPr>
-          <a:xfrm>
-            <a:off x="884042" y="899378"/>
-            <a:ext cx="5159187" cy="646331"/>
-          </a:xfrm>
-          <a:prstGeom prst="rect">
-            <a:avLst/>
-          </a:prstGeom>
-          <a:solidFill>
-            <a:srgbClr val="FFC000"/>
-          </a:solidFill>
-        </p:spPr>
-        <p:txBody>
-          <a:bodyPr wrap="square">
-            <a:spAutoFit/>
-          </a:bodyPr>
-          <a:lstStyle/>
-          <a:p>
-            <a:r>
-              <a:rPr lang="en-US" dirty="0" smtClean="0"/>
-              <a:t>Verify the trailer of the .zip file and Save as Raw </a:t>
-            </a:r>
-            <a:r>
-              <a:rPr lang="en-US" dirty="0" smtClean="0"/>
-              <a:t>format</a:t>
-            </a:r>
-            <a:endParaRPr lang="en-US" dirty="0"/>
-          </a:p>
-        </p:txBody>
-      </p:sp>
-      <p:sp>
-        <p:nvSpPr>
-          <p:cNvPr id="2" name="TextBox 1"/>
-          <p:cNvSpPr txBox="1"/>
-          <p:nvPr/>
-        </p:nvSpPr>
-        <p:spPr>
-          <a:xfrm>
-            <a:off x="6494736" y="2275204"/>
-            <a:ext cx="3307765" cy="369332"/>
-          </a:xfrm>
-          <a:prstGeom prst="rect">
-            <a:avLst/>
-          </a:prstGeom>
-          <a:solidFill>
-            <a:schemeClr val="accent4">
-              <a:lumMod val="20000"/>
-              <a:lumOff val="80000"/>
-            </a:schemeClr>
-          </a:solidFill>
-        </p:spPr>
-        <p:txBody>
-          <a:bodyPr wrap="none" rtlCol="0">
-            <a:spAutoFit/>
-          </a:bodyPr>
-          <a:lstStyle/>
-          <a:p>
-            <a:r>
-              <a:rPr lang="en-US" dirty="0" smtClean="0"/>
-              <a:t>The structure of central directory</a:t>
-            </a:r>
-            <a:endParaRPr lang="en-US" dirty="0"/>
+              <a:rPr lang="en-US" dirty="0"/>
+              <a:t>Verify the .zip magic number</a:t>
+            </a:r>
           </a:p>
         </p:txBody>
       </p:sp>
     </p:spTree>
     <p:extLst>
       <p:ext uri="{BB962C8B-B14F-4D97-AF65-F5344CB8AC3E}">
-        <p14:creationId xmlns:p14="http://schemas.microsoft.com/office/powerpoint/2010/main" val="4163454649"/>
+        <p14:creationId xmlns:p14="http://schemas.microsoft.com/office/powerpoint/2010/main" val="2688303311"/>
       </p:ext>
     </p:extLst>
   </p:cSld>
@@ -5740,30 +5748,6 @@
       </p:grpSpPr>
       <p:pic>
         <p:nvPicPr>
-          <p:cNvPr id="2" name="Picture 1"/>
-          <p:cNvPicPr>
-            <a:picLocks noChangeAspect="1"/>
-          </p:cNvPicPr>
-          <p:nvPr/>
-        </p:nvPicPr>
-        <p:blipFill>
-          <a:blip r:embed="rId2"/>
-          <a:stretch>
-            <a:fillRect/>
-          </a:stretch>
-        </p:blipFill>
-        <p:spPr>
-          <a:xfrm>
-            <a:off x="3019717" y="628150"/>
-            <a:ext cx="6916607" cy="4451850"/>
-          </a:xfrm>
-          <a:prstGeom prst="rect">
-            <a:avLst/>
-          </a:prstGeom>
-        </p:spPr>
-      </p:pic>
-      <p:pic>
-        <p:nvPicPr>
           <p:cNvPr id="3" name="Picture 2"/>
           <p:cNvPicPr>
             <a:picLocks noChangeAspect="1"/>
@@ -5778,24 +5762,107 @@
         </p:blipFill>
         <p:spPr>
           <a:xfrm>
-            <a:off x="3019718" y="5292644"/>
-            <a:ext cx="6904199" cy="692519"/>
-          </a:xfrm>
-          <a:prstGeom prst="rect">
-            <a:avLst/>
-          </a:prstGeom>
+            <a:off x="6494736" y="2644536"/>
+            <a:ext cx="4677498" cy="2688641"/>
+          </a:xfrm>
+          <a:prstGeom prst="rect">
+            <a:avLst/>
+          </a:prstGeom>
+          <a:ln>
+            <a:noFill/>
+          </a:ln>
+          <a:effectLst>
+            <a:outerShdw blurRad="292100" dist="139700" dir="2700000" algn="tl" rotWithShape="0">
+              <a:srgbClr val="333333">
+                <a:alpha val="65000"/>
+              </a:srgbClr>
+            </a:outerShdw>
+          </a:effectLst>
         </p:spPr>
       </p:pic>
-      <p:sp>
-        <p:nvSpPr>
-          <p:cNvPr id="4" name="Rectangle 3"/>
+      <p:pic>
+        <p:nvPicPr>
+          <p:cNvPr id="4" name="Picture 3"/>
+          <p:cNvPicPr>
+            <a:picLocks noChangeAspect="1"/>
+          </p:cNvPicPr>
+          <p:nvPr/>
+        </p:nvPicPr>
+        <p:blipFill>
+          <a:blip r:embed="rId4"/>
+          <a:stretch>
+            <a:fillRect/>
+          </a:stretch>
+        </p:blipFill>
+        <p:spPr>
+          <a:xfrm>
+            <a:off x="884042" y="1545709"/>
+            <a:ext cx="5159187" cy="3787468"/>
+          </a:xfrm>
+          <a:prstGeom prst="rect">
+            <a:avLst/>
+          </a:prstGeom>
+        </p:spPr>
+      </p:pic>
+      <p:sp>
+        <p:nvSpPr>
+          <p:cNvPr id="5" name="Rectangle 4"/>
           <p:cNvSpPr/>
           <p:nvPr/>
         </p:nvSpPr>
         <p:spPr>
           <a:xfrm>
-            <a:off x="672354" y="628150"/>
-            <a:ext cx="2347364" cy="369332"/>
+            <a:off x="2724727" y="3879817"/>
+            <a:ext cx="2022764" cy="615553"/>
+          </a:xfrm>
+          <a:prstGeom prst="rect">
+            <a:avLst/>
+          </a:prstGeom>
+          <a:solidFill>
+            <a:schemeClr val="accent4">
+              <a:lumMod val="20000"/>
+              <a:lumOff val="80000"/>
+            </a:schemeClr>
+          </a:solidFill>
+        </p:spPr>
+        <p:txBody>
+          <a:bodyPr wrap="square">
+            <a:spAutoFit/>
+          </a:bodyPr>
+          <a:lstStyle/>
+          <a:p>
+            <a:r>
+              <a:rPr lang="en-US" sz="1600" dirty="0">
+                <a:solidFill>
+                  <a:srgbClr val="333333"/>
+                </a:solidFill>
+                <a:latin typeface="Arial" panose="020B0604020202020204" pitchFamily="34" charset="0"/>
+              </a:rPr>
+              <a:t>signature of end of central directory</a:t>
+            </a:r>
+            <a:r>
+              <a:rPr lang="en-US" dirty="0">
+                <a:solidFill>
+                  <a:srgbClr val="333333"/>
+                </a:solidFill>
+                <a:latin typeface="Arial" panose="020B0604020202020204" pitchFamily="34" charset="0"/>
+              </a:rPr>
+              <a:t> </a:t>
+            </a:r>
+            <a:endParaRPr lang="en-US" dirty="0"/>
+          </a:p>
+        </p:txBody>
+      </p:sp>
+      <p:sp>
+        <p:nvSpPr>
+          <p:cNvPr id="6" name="Rectangle 5"/>
+          <p:cNvSpPr/>
+          <p:nvPr/>
+        </p:nvSpPr>
+        <p:spPr>
+          <a:xfrm>
+            <a:off x="884042" y="899378"/>
+            <a:ext cx="5159187" cy="646331"/>
           </a:xfrm>
           <a:prstGeom prst="rect">
             <a:avLst/>
@@ -5811,49 +5878,50 @@
           <a:lstStyle/>
           <a:p>
             <a:r>
-              <a:rPr lang="en-US" dirty="0" smtClean="0"/>
-              <a:t>Save as contraband.zip</a:t>
-            </a:r>
-            <a:endParaRPr lang="en-US" dirty="0"/>
-          </a:p>
-        </p:txBody>
-      </p:sp>
-      <p:sp>
-        <p:nvSpPr>
-          <p:cNvPr id="5" name="Rectangle 4"/>
-          <p:cNvSpPr/>
-          <p:nvPr/>
-        </p:nvSpPr>
-        <p:spPr>
-          <a:xfrm>
-            <a:off x="672353" y="5269571"/>
-            <a:ext cx="2347364" cy="369332"/>
+              <a:rPr lang="en-US" dirty="0"/>
+              <a:t>Verify the trailer of the .zip file and Save as Raw format</a:t>
+            </a:r>
+          </a:p>
+        </p:txBody>
+      </p:sp>
+      <p:sp>
+        <p:nvSpPr>
+          <p:cNvPr id="2" name="TextBox 1"/>
+          <p:cNvSpPr txBox="1"/>
+          <p:nvPr/>
+        </p:nvSpPr>
+        <p:spPr>
+          <a:xfrm>
+            <a:off x="6494736" y="2275204"/>
+            <a:ext cx="3307765" cy="369332"/>
           </a:xfrm>
           <a:prstGeom prst="rect">
             <a:avLst/>
           </a:prstGeom>
           <a:solidFill>
-            <a:srgbClr val="FFC000"/>
+            <a:schemeClr val="accent4">
+              <a:lumMod val="20000"/>
+              <a:lumOff val="80000"/>
+            </a:schemeClr>
           </a:solidFill>
         </p:spPr>
         <p:txBody>
-          <a:bodyPr wrap="square">
+          <a:bodyPr wrap="none" rtlCol="0">
             <a:spAutoFit/>
           </a:bodyPr>
           <a:lstStyle/>
           <a:p>
             <a:r>
-              <a:rPr lang="en-US" dirty="0" smtClean="0"/>
-              <a:t>Verify the file </a:t>
-            </a:r>
-            <a:endParaRPr lang="en-US" dirty="0"/>
+              <a:rPr lang="en-US" dirty="0"/>
+              <a:t>The structure of central directory</a:t>
+            </a:r>
           </a:p>
         </p:txBody>
       </p:sp>
     </p:spTree>
     <p:extLst>
       <p:ext uri="{BB962C8B-B14F-4D97-AF65-F5344CB8AC3E}">
-        <p14:creationId xmlns:p14="http://schemas.microsoft.com/office/powerpoint/2010/main" val="3616435969"/>
+        <p14:creationId xmlns:p14="http://schemas.microsoft.com/office/powerpoint/2010/main" val="4163454649"/>
       </p:ext>
     </p:extLst>
   </p:cSld>
@@ -5896,24 +5964,48 @@
         </p:blipFill>
         <p:spPr>
           <a:xfrm>
-            <a:off x="2391077" y="910509"/>
-            <a:ext cx="7373389" cy="5599101"/>
+            <a:off x="3019717" y="628150"/>
+            <a:ext cx="6916607" cy="4451850"/>
           </a:xfrm>
           <a:prstGeom prst="rect">
             <a:avLst/>
           </a:prstGeom>
         </p:spPr>
       </p:pic>
-      <p:sp>
-        <p:nvSpPr>
-          <p:cNvPr id="3" name="Rectangle 2"/>
+      <p:pic>
+        <p:nvPicPr>
+          <p:cNvPr id="3" name="Picture 2"/>
+          <p:cNvPicPr>
+            <a:picLocks noChangeAspect="1"/>
+          </p:cNvPicPr>
+          <p:nvPr/>
+        </p:nvPicPr>
+        <p:blipFill>
+          <a:blip r:embed="rId3"/>
+          <a:stretch>
+            <a:fillRect/>
+          </a:stretch>
+        </p:blipFill>
+        <p:spPr>
+          <a:xfrm>
+            <a:off x="3019718" y="5292644"/>
+            <a:ext cx="6904199" cy="692519"/>
+          </a:xfrm>
+          <a:prstGeom prst="rect">
+            <a:avLst/>
+          </a:prstGeom>
+        </p:spPr>
+      </p:pic>
+      <p:sp>
+        <p:nvSpPr>
+          <p:cNvPr id="4" name="Rectangle 3"/>
           <p:cNvSpPr/>
           <p:nvPr/>
         </p:nvSpPr>
         <p:spPr>
           <a:xfrm>
-            <a:off x="2391077" y="563021"/>
-            <a:ext cx="5551652" cy="369332"/>
+            <a:off x="672354" y="628150"/>
+            <a:ext cx="2347364" cy="369332"/>
           </a:xfrm>
           <a:prstGeom prst="rect">
             <a:avLst/>
@@ -5929,17 +6021,47 @@
           <a:lstStyle/>
           <a:p>
             <a:r>
-              <a:rPr lang="en-US" dirty="0" smtClean="0"/>
-              <a:t>Verify the magic number of the zip file</a:t>
-            </a:r>
-            <a:endParaRPr lang="en-US" dirty="0"/>
+              <a:rPr lang="en-US" dirty="0"/>
+              <a:t>Save as contraband.zip</a:t>
+            </a:r>
+          </a:p>
+        </p:txBody>
+      </p:sp>
+      <p:sp>
+        <p:nvSpPr>
+          <p:cNvPr id="5" name="Rectangle 4"/>
+          <p:cNvSpPr/>
+          <p:nvPr/>
+        </p:nvSpPr>
+        <p:spPr>
+          <a:xfrm>
+            <a:off x="672353" y="5269571"/>
+            <a:ext cx="2347364" cy="369332"/>
+          </a:xfrm>
+          <a:prstGeom prst="rect">
+            <a:avLst/>
+          </a:prstGeom>
+          <a:solidFill>
+            <a:srgbClr val="FFC000"/>
+          </a:solidFill>
+        </p:spPr>
+        <p:txBody>
+          <a:bodyPr wrap="square">
+            <a:spAutoFit/>
+          </a:bodyPr>
+          <a:lstStyle/>
+          <a:p>
+            <a:r>
+              <a:rPr lang="en-US" dirty="0"/>
+              <a:t>Verify the file </a:t>
+            </a:r>
           </a:p>
         </p:txBody>
       </p:sp>
     </p:spTree>
     <p:extLst>
       <p:ext uri="{BB962C8B-B14F-4D97-AF65-F5344CB8AC3E}">
-        <p14:creationId xmlns:p14="http://schemas.microsoft.com/office/powerpoint/2010/main" val="3379659580"/>
+        <p14:creationId xmlns:p14="http://schemas.microsoft.com/office/powerpoint/2010/main" val="3616435969"/>
       </p:ext>
     </p:extLst>
   </p:cSld>
@@ -5982,71 +6104,24 @@
         </p:blipFill>
         <p:spPr>
           <a:xfrm>
-            <a:off x="838200" y="2066022"/>
-            <a:ext cx="6115137" cy="990399"/>
+            <a:off x="2391077" y="910509"/>
+            <a:ext cx="7373389" cy="5599101"/>
           </a:xfrm>
           <a:prstGeom prst="rect">
             <a:avLst/>
           </a:prstGeom>
         </p:spPr>
       </p:pic>
-      <p:pic>
-        <p:nvPicPr>
-          <p:cNvPr id="3" name="Picture 2"/>
-          <p:cNvPicPr>
-            <a:picLocks noChangeAspect="1"/>
-          </p:cNvPicPr>
-          <p:nvPr/>
-        </p:nvPicPr>
-        <p:blipFill>
-          <a:blip r:embed="rId3"/>
-          <a:stretch>
-            <a:fillRect/>
-          </a:stretch>
-        </p:blipFill>
-        <p:spPr>
-          <a:xfrm>
-            <a:off x="838200" y="3973911"/>
-            <a:ext cx="6115137" cy="1058388"/>
-          </a:xfrm>
-          <a:prstGeom prst="rect">
-            <a:avLst/>
-          </a:prstGeom>
-        </p:spPr>
-      </p:pic>
-      <p:sp>
-        <p:nvSpPr>
-          <p:cNvPr id="4" name="Title 3"/>
-          <p:cNvSpPr>
-            <a:spLocks noGrp="1"/>
-          </p:cNvSpPr>
-          <p:nvPr>
-            <p:ph type="title"/>
-          </p:nvPr>
-        </p:nvSpPr>
-        <p:spPr/>
-        <p:txBody>
-          <a:bodyPr/>
-          <a:lstStyle/>
-          <a:p>
-            <a:r>
-              <a:rPr lang="en-US" dirty="0" smtClean="0"/>
-              <a:t>How to find password of the zip file?</a:t>
-            </a:r>
-            <a:endParaRPr lang="en-US" dirty="0"/>
-          </a:p>
-        </p:txBody>
-      </p:sp>
-      <p:sp>
-        <p:nvSpPr>
-          <p:cNvPr id="5" name="Rectangle 4"/>
+      <p:sp>
+        <p:nvSpPr>
+          <p:cNvPr id="3" name="Rectangle 2"/>
           <p:cNvSpPr/>
           <p:nvPr/>
         </p:nvSpPr>
         <p:spPr>
           <a:xfrm>
-            <a:off x="838200" y="1690688"/>
-            <a:ext cx="5912224" cy="369332"/>
+            <a:off x="2391077" y="563021"/>
+            <a:ext cx="5551652" cy="369332"/>
           </a:xfrm>
           <a:prstGeom prst="rect">
             <a:avLst/>
@@ -6062,61 +6137,16 @@
           <a:lstStyle/>
           <a:p>
             <a:r>
-              <a:rPr lang="en-US" dirty="0" smtClean="0"/>
-              <a:t>Unzip the file and found the contraband zip file is encrypted </a:t>
-            </a:r>
-            <a:endParaRPr lang="en-US" dirty="0"/>
-          </a:p>
-        </p:txBody>
-      </p:sp>
-      <p:sp>
-        <p:nvSpPr>
-          <p:cNvPr id="6" name="Rectangle 5"/>
-          <p:cNvSpPr/>
-          <p:nvPr/>
-        </p:nvSpPr>
-        <p:spPr>
-          <a:xfrm>
-            <a:off x="838199" y="3604579"/>
-            <a:ext cx="6115138" cy="369332"/>
-          </a:xfrm>
-          <a:prstGeom prst="rect">
-            <a:avLst/>
-          </a:prstGeom>
-          <a:solidFill>
-            <a:srgbClr val="FFC000"/>
-          </a:solidFill>
-        </p:spPr>
-        <p:txBody>
-          <a:bodyPr wrap="square">
-            <a:spAutoFit/>
-          </a:bodyPr>
-          <a:lstStyle/>
-          <a:p>
-            <a:r>
-              <a:rPr lang="en-US" dirty="0" smtClean="0"/>
-              <a:t>Install a zip-crack software, named </a:t>
-            </a:r>
-            <a:r>
-              <a:rPr lang="en-US" dirty="0" err="1" smtClean="0"/>
-              <a:t>fcrackzip</a:t>
-            </a:r>
-            <a:r>
               <a:rPr lang="en-US" dirty="0"/>
-              <a:t> </a:t>
-            </a:r>
-            <a:r>
-              <a:rPr lang="en-US" dirty="0" smtClean="0"/>
-              <a:t>(fast zip cracker)</a:t>
-            </a:r>
-            <a:endParaRPr lang="en-US" dirty="0"/>
+              <a:t>Verify the magic number of the zip file</a:t>
+            </a:r>
           </a:p>
         </p:txBody>
       </p:sp>
     </p:spTree>
     <p:extLst>
       <p:ext uri="{BB962C8B-B14F-4D97-AF65-F5344CB8AC3E}">
-        <p14:creationId xmlns:p14="http://schemas.microsoft.com/office/powerpoint/2010/main" val="3188467193"/>
+        <p14:creationId xmlns:p14="http://schemas.microsoft.com/office/powerpoint/2010/main" val="3379659580"/>
       </p:ext>
     </p:extLst>
   </p:cSld>
@@ -6145,7 +6175,7 @@
       </p:grpSpPr>
       <p:pic>
         <p:nvPicPr>
-          <p:cNvPr id="3" name="Picture 2"/>
+          <p:cNvPr id="2" name="Picture 1"/>
           <p:cNvPicPr>
             <a:picLocks noChangeAspect="1"/>
           </p:cNvPicPr>
@@ -6159,24 +6189,70 @@
         </p:blipFill>
         <p:spPr>
           <a:xfrm>
-            <a:off x="1639275" y="898870"/>
-            <a:ext cx="8104178" cy="5430211"/>
+            <a:off x="838200" y="2066022"/>
+            <a:ext cx="6115137" cy="990399"/>
           </a:xfrm>
           <a:prstGeom prst="rect">
             <a:avLst/>
           </a:prstGeom>
         </p:spPr>
       </p:pic>
-      <p:sp>
-        <p:nvSpPr>
-          <p:cNvPr id="4" name="Rectangle 3"/>
+      <p:pic>
+        <p:nvPicPr>
+          <p:cNvPr id="3" name="Picture 2"/>
+          <p:cNvPicPr>
+            <a:picLocks noChangeAspect="1"/>
+          </p:cNvPicPr>
+          <p:nvPr/>
+        </p:nvPicPr>
+        <p:blipFill>
+          <a:blip r:embed="rId3"/>
+          <a:stretch>
+            <a:fillRect/>
+          </a:stretch>
+        </p:blipFill>
+        <p:spPr>
+          <a:xfrm>
+            <a:off x="838200" y="3973911"/>
+            <a:ext cx="6115137" cy="1058388"/>
+          </a:xfrm>
+          <a:prstGeom prst="rect">
+            <a:avLst/>
+          </a:prstGeom>
+        </p:spPr>
+      </p:pic>
+      <p:sp>
+        <p:nvSpPr>
+          <p:cNvPr id="4" name="Title 3"/>
+          <p:cNvSpPr>
+            <a:spLocks noGrp="1"/>
+          </p:cNvSpPr>
+          <p:nvPr>
+            <p:ph type="title"/>
+          </p:nvPr>
+        </p:nvSpPr>
+        <p:spPr/>
+        <p:txBody>
+          <a:bodyPr/>
+          <a:lstStyle/>
+          <a:p>
+            <a:r>
+              <a:rPr lang="en-US" dirty="0"/>
+              <a:t>How to find password of the zip file?</a:t>
+            </a:r>
+          </a:p>
+        </p:txBody>
+      </p:sp>
+      <p:sp>
+        <p:nvSpPr>
+          <p:cNvPr id="5" name="Rectangle 4"/>
           <p:cNvSpPr/>
           <p:nvPr/>
         </p:nvSpPr>
         <p:spPr>
           <a:xfrm>
-            <a:off x="1639274" y="529539"/>
-            <a:ext cx="4125031" cy="369332"/>
+            <a:off x="838200" y="1690688"/>
+            <a:ext cx="5912224" cy="369332"/>
           </a:xfrm>
           <a:prstGeom prst="rect">
             <a:avLst/>
@@ -6192,17 +6268,55 @@
           <a:lstStyle/>
           <a:p>
             <a:r>
-              <a:rPr lang="en-US" dirty="0" smtClean="0"/>
-              <a:t>Show all functions of crack software</a:t>
-            </a:r>
-            <a:endParaRPr lang="en-US" dirty="0"/>
+              <a:rPr lang="en-US" dirty="0"/>
+              <a:t>Unzip the file and found the contraband zip file is encrypted </a:t>
+            </a:r>
+          </a:p>
+        </p:txBody>
+      </p:sp>
+      <p:sp>
+        <p:nvSpPr>
+          <p:cNvPr id="6" name="Rectangle 5"/>
+          <p:cNvSpPr/>
+          <p:nvPr/>
+        </p:nvSpPr>
+        <p:spPr>
+          <a:xfrm>
+            <a:off x="838199" y="3604579"/>
+            <a:ext cx="6115138" cy="369332"/>
+          </a:xfrm>
+          <a:prstGeom prst="rect">
+            <a:avLst/>
+          </a:prstGeom>
+          <a:solidFill>
+            <a:srgbClr val="FFC000"/>
+          </a:solidFill>
+        </p:spPr>
+        <p:txBody>
+          <a:bodyPr wrap="square">
+            <a:spAutoFit/>
+          </a:bodyPr>
+          <a:lstStyle/>
+          <a:p>
+            <a:r>
+              <a:rPr lang="en-US" dirty="0"/>
+              <a:t>Install a zip-crack software, named </a:t>
+            </a:r>
+            <a:r>
+              <a:rPr lang="en-US" dirty="0" err="1"/>
+              <a:t>fcrackzip</a:t>
+            </a:r>
+            <a:r>
+              <a:rPr lang="en-US" dirty="0"/>
+              <a:t> (fast zip cracker)</a:t>
+            </a:r>
           </a:p>
         </p:txBody>
       </p:sp>
     </p:spTree>
     <p:extLst>
       <p:ext uri="{BB962C8B-B14F-4D97-AF65-F5344CB8AC3E}">
-        <p14:creationId xmlns:p14="http://schemas.microsoft.com/office/powerpoint/2010/main" val="643975434"/>
+        <p14:creationId xmlns:p14="http://schemas.microsoft.com/office/powerpoint/2010/main" val="3188467193"/>
       </p:ext>
     </p:extLst>
   </p:cSld>
@@ -6238,15 +6352,15 @@
           <p:nvPr/>
         </p:nvPicPr>
         <p:blipFill>
-          <a:blip r:embed="rId3"/>
+          <a:blip r:embed="rId2"/>
           <a:stretch>
             <a:fillRect/>
           </a:stretch>
         </p:blipFill>
         <p:spPr>
           <a:xfrm>
-            <a:off x="1175164" y="1938777"/>
-            <a:ext cx="8915794" cy="2421965"/>
+            <a:off x="1639275" y="898870"/>
+            <a:ext cx="8104178" cy="5430211"/>
           </a:xfrm>
           <a:prstGeom prst="rect">
             <a:avLst/>
@@ -6261,8 +6375,8 @@
         </p:nvSpPr>
         <p:spPr>
           <a:xfrm>
-            <a:off x="1175164" y="1569445"/>
-            <a:ext cx="3190648" cy="369332"/>
+            <a:off x="1639274" y="529539"/>
+            <a:ext cx="4125031" cy="369332"/>
           </a:xfrm>
           <a:prstGeom prst="rect">
             <a:avLst/>
@@ -6278,17 +6392,16 @@
           <a:lstStyle/>
           <a:p>
             <a:r>
-              <a:rPr lang="en-US" dirty="0" smtClean="0"/>
-              <a:t>Crack the encrypted zip file</a:t>
-            </a:r>
-            <a:endParaRPr lang="en-US" dirty="0"/>
+              <a:rPr lang="en-US" dirty="0"/>
+              <a:t>Show all functions of crack software</a:t>
+            </a:r>
           </a:p>
         </p:txBody>
       </p:sp>
     </p:spTree>
     <p:extLst>
       <p:ext uri="{BB962C8B-B14F-4D97-AF65-F5344CB8AC3E}">
-        <p14:creationId xmlns:p14="http://schemas.microsoft.com/office/powerpoint/2010/main" val="2764100840"/>
+        <p14:creationId xmlns:p14="http://schemas.microsoft.com/office/powerpoint/2010/main" val="643975434"/>
       </p:ext>
     </p:extLst>
   </p:cSld>
@@ -6317,6 +6430,91 @@
       </p:grpSpPr>
       <p:pic>
         <p:nvPicPr>
+          <p:cNvPr id="3" name="Picture 2"/>
+          <p:cNvPicPr>
+            <a:picLocks noChangeAspect="1"/>
+          </p:cNvPicPr>
+          <p:nvPr/>
+        </p:nvPicPr>
+        <p:blipFill>
+          <a:blip r:embed="rId3"/>
+          <a:stretch>
+            <a:fillRect/>
+          </a:stretch>
+        </p:blipFill>
+        <p:spPr>
+          <a:xfrm>
+            <a:off x="1175164" y="1938777"/>
+            <a:ext cx="8915794" cy="2421965"/>
+          </a:xfrm>
+          <a:prstGeom prst="rect">
+            <a:avLst/>
+          </a:prstGeom>
+        </p:spPr>
+      </p:pic>
+      <p:sp>
+        <p:nvSpPr>
+          <p:cNvPr id="4" name="Rectangle 3"/>
+          <p:cNvSpPr/>
+          <p:nvPr/>
+        </p:nvSpPr>
+        <p:spPr>
+          <a:xfrm>
+            <a:off x="1175164" y="1569445"/>
+            <a:ext cx="3190648" cy="369332"/>
+          </a:xfrm>
+          <a:prstGeom prst="rect">
+            <a:avLst/>
+          </a:prstGeom>
+          <a:solidFill>
+            <a:srgbClr val="FFC000"/>
+          </a:solidFill>
+        </p:spPr>
+        <p:txBody>
+          <a:bodyPr wrap="square">
+            <a:spAutoFit/>
+          </a:bodyPr>
+          <a:lstStyle/>
+          <a:p>
+            <a:r>
+              <a:rPr lang="en-US" dirty="0"/>
+              <a:t>Crack the encrypted zip file</a:t>
+            </a:r>
+          </a:p>
+        </p:txBody>
+      </p:sp>
+    </p:spTree>
+    <p:extLst>
+      <p:ext uri="{BB962C8B-B14F-4D97-AF65-F5344CB8AC3E}">
+        <p14:creationId xmlns:p14="http://schemas.microsoft.com/office/powerpoint/2010/main" val="2764100840"/>
+      </p:ext>
+    </p:extLst>
+  </p:cSld>
+  <p:clrMapOvr>
+    <a:masterClrMapping/>
+  </p:clrMapOvr>
+</p:sld>
+</file>
+
+<file path=ppt/slides/slide27.xml><?xml version="1.0" encoding="utf-8"?>
+<p:sld xmlns:a="http://schemas.openxmlformats.org/drawingml/2006/main" xmlns:r="http://schemas.openxmlformats.org/officeDocument/2006/relationships" xmlns:p="http://schemas.openxmlformats.org/presentationml/2006/main">
+  <p:cSld>
+    <p:spTree>
+      <p:nvGrpSpPr>
+        <p:cNvPr id="1" name=""/>
+        <p:cNvGrpSpPr/>
+        <p:nvPr/>
+      </p:nvGrpSpPr>
+      <p:grpSpPr>
+        <a:xfrm>
+          <a:off x="0" y="0"/>
+          <a:ext cx="0" cy="0"/>
+          <a:chOff x="0" y="0"/>
+          <a:chExt cx="0" cy="0"/>
+        </a:xfrm>
+      </p:grpSpPr>
+      <p:pic>
+        <p:nvPicPr>
           <p:cNvPr id="2" name="Picture 1"/>
           <p:cNvPicPr>
             <a:picLocks noChangeAspect="1"/>
@@ -6388,10 +6586,9 @@
           <a:lstStyle/>
           <a:p>
             <a:r>
-              <a:rPr lang="en-US" dirty="0" smtClean="0"/>
+              <a:rPr lang="en-US" dirty="0"/>
               <a:t>Unzip the file with password</a:t>
             </a:r>
-            <a:endParaRPr lang="en-US" dirty="0"/>
           </a:p>
         </p:txBody>
       </p:sp>
@@ -6420,10 +6617,9 @@
           <a:lstStyle/>
           <a:p>
             <a:r>
-              <a:rPr lang="en-US" dirty="0" smtClean="0"/>
+              <a:rPr lang="en-US" dirty="0"/>
               <a:t>Show rhino2.jpg</a:t>
             </a:r>
-            <a:endParaRPr lang="en-US" dirty="0"/>
           </a:p>
         </p:txBody>
       </p:sp>
@@ -6514,18 +6710,13 @@
           <a:lstStyle/>
           <a:p>
             <a:r>
-              <a:rPr lang="en-US" sz="4800" b="1" dirty="0" smtClean="0">
+              <a:rPr lang="en-US" sz="4800" b="1" dirty="0">
                 <a:solidFill>
                   <a:srgbClr val="FF0000"/>
                 </a:solidFill>
               </a:rPr>
               <a:t>2</a:t>
             </a:r>
-            <a:endParaRPr lang="en-US" sz="4800" b="1" dirty="0">
-              <a:solidFill>
-                <a:srgbClr val="FF0000"/>
-              </a:solidFill>
-            </a:endParaRPr>
           </a:p>
         </p:txBody>
       </p:sp>
@@ -6557,10 +6748,9 @@
           <a:lstStyle/>
           <a:p>
             <a:r>
-              <a:rPr lang="en-US" dirty="0" smtClean="0"/>
+              <a:rPr lang="en-US" dirty="0"/>
               <a:t>Same the photo 2 by comparing md5</a:t>
             </a:r>
-            <a:endParaRPr lang="en-US" dirty="0"/>
           </a:p>
         </p:txBody>
       </p:sp>
@@ -6612,14 +6802,9 @@
           <a:lstStyle/>
           <a:p>
             <a:r>
-              <a:rPr lang="en-US" dirty="0" smtClean="0"/>
-              <a:t>Show </a:t>
-            </a:r>
-            <a:r>
-              <a:rPr lang="en-US" dirty="0" smtClean="0"/>
-              <a:t>timestamp</a:t>
-            </a:r>
-            <a:endParaRPr lang="en-US" dirty="0"/>
+              <a:rPr lang="en-US" dirty="0"/>
+              <a:t>Show timestamp</a:t>
+            </a:r>
           </a:p>
         </p:txBody>
       </p:sp>
@@ -6750,10 +6935,9 @@
           <a:lstStyle/>
           <a:p>
             <a:r>
-              <a:rPr lang="en-US" dirty="0" smtClean="0"/>
+              <a:rPr lang="en-US" dirty="0"/>
               <a:t>Open rhino.log with Wireshark</a:t>
             </a:r>
-            <a:endParaRPr lang="en-US" dirty="0"/>
           </a:p>
         </p:txBody>
       </p:sp>
@@ -6782,10 +6966,9 @@
           <a:lstStyle/>
           <a:p>
             <a:r>
-              <a:rPr lang="en-US" dirty="0" smtClean="0"/>
+              <a:rPr lang="en-US" dirty="0"/>
               <a:t>Check credentials (in case users using FTP, which is not encrypted)</a:t>
             </a:r>
-            <a:endParaRPr lang="en-US" dirty="0"/>
           </a:p>
         </p:txBody>
       </p:sp>
@@ -6814,10 +6997,9 @@
           <a:lstStyle/>
           <a:p>
             <a:r>
-              <a:rPr lang="en-US" dirty="0" smtClean="0"/>
+              <a:rPr lang="en-US" dirty="0"/>
               <a:t>Check the first credentials</a:t>
             </a:r>
-            <a:endParaRPr lang="en-US" dirty="0"/>
           </a:p>
         </p:txBody>
       </p:sp>
@@ -6849,10 +7031,9 @@
           <a:lstStyle/>
           <a:p>
             <a:r>
-              <a:rPr lang="en-US" sz="1600" dirty="0" smtClean="0"/>
+              <a:rPr lang="en-US" sz="1600" dirty="0"/>
               <a:t>Click the first one</a:t>
             </a:r>
-            <a:endParaRPr lang="en-US" sz="1600" dirty="0"/>
           </a:p>
         </p:txBody>
       </p:sp>
@@ -6964,16 +7145,10 @@
               <a:buChar char="•"/>
             </a:pPr>
             <a:r>
-              <a:rPr lang="en-US" sz="1400" dirty="0" smtClean="0">
-                <a:latin typeface="Georgia" panose="02040502050405020303" pitchFamily="18" charset="0"/>
-              </a:rPr>
-              <a:t>Applies </a:t>
-            </a:r>
-            <a:r>
               <a:rPr lang="en-US" sz="1400" dirty="0">
                 <a:latin typeface="Georgia" panose="02040502050405020303" pitchFamily="18" charset="0"/>
               </a:rPr>
-              <a:t>a display filter which selects all the packets in the current stream. </a:t>
+              <a:t>Applies a display filter which selects all the packets in the current stream. </a:t>
             </a:r>
           </a:p>
         </p:txBody>
@@ -7006,18 +7181,13 @@
           <a:lstStyle/>
           <a:p>
             <a:r>
-              <a:rPr lang="en-US" sz="1600" dirty="0" smtClean="0">
+              <a:rPr lang="en-US" sz="1600" dirty="0">
                 <a:solidFill>
                   <a:srgbClr val="FF0000"/>
                 </a:solidFill>
               </a:rPr>
               <a:t>Right Click </a:t>
             </a:r>
-            <a:endParaRPr lang="en-US" sz="1600" dirty="0">
-              <a:solidFill>
-                <a:srgbClr val="FF0000"/>
-              </a:solidFill>
-            </a:endParaRPr>
           </a:p>
         </p:txBody>
       </p:sp>
@@ -7037,10 +7207,9 @@
           <a:lstStyle/>
           <a:p>
             <a:r>
-              <a:rPr lang="en-US" dirty="0" smtClean="0"/>
+              <a:rPr lang="en-US" dirty="0"/>
               <a:t>Investigate the first FTP session</a:t>
             </a:r>
-            <a:endParaRPr lang="en-US" dirty="0"/>
           </a:p>
         </p:txBody>
       </p:sp>
@@ -7126,11 +7295,11 @@
           <a:lstStyle/>
           <a:p>
             <a:r>
-              <a:rPr lang="en-US" dirty="0" smtClean="0"/>
+              <a:rPr lang="en-US" dirty="0"/>
               <a:t>User name: </a:t>
             </a:r>
             <a:r>
-              <a:rPr lang="en-US" dirty="0" smtClean="0">
+              <a:rPr lang="en-US" dirty="0">
                 <a:solidFill>
                   <a:srgbClr val="FF0000"/>
                 </a:solidFill>
@@ -7140,22 +7309,17 @@
           </a:p>
           <a:p>
             <a:r>
-              <a:rPr lang="en-US" dirty="0" smtClean="0"/>
+              <a:rPr lang="en-US" dirty="0"/>
               <a:t>Password: </a:t>
             </a:r>
             <a:r>
-              <a:rPr lang="en-US" dirty="0" smtClean="0">
+              <a:rPr lang="en-US" dirty="0">
                 <a:solidFill>
                   <a:srgbClr val="FF0000"/>
                 </a:solidFill>
               </a:rPr>
               <a:t>gnome123</a:t>
             </a:r>
-            <a:endParaRPr lang="en-US" dirty="0">
-              <a:solidFill>
-                <a:srgbClr val="FF0000"/>
-              </a:solidFill>
-            </a:endParaRPr>
           </a:p>
         </p:txBody>
       </p:sp>
@@ -7184,10 +7348,9 @@
           <a:lstStyle/>
           <a:p>
             <a:r>
-              <a:rPr lang="en-US" dirty="0" smtClean="0"/>
+              <a:rPr lang="en-US" dirty="0"/>
               <a:t>Check the first FTP connection and find traffic of rhino1.jpg</a:t>
             </a:r>
-            <a:endParaRPr lang="en-US" dirty="0"/>
           </a:p>
         </p:txBody>
       </p:sp>
@@ -7270,10 +7433,9 @@
           <a:lstStyle/>
           <a:p>
             <a:r>
-              <a:rPr lang="en-US" dirty="0" smtClean="0"/>
+              <a:rPr lang="en-US" dirty="0"/>
               <a:t>Open rhino.log with Wireshark</a:t>
             </a:r>
-            <a:endParaRPr lang="en-US" dirty="0"/>
           </a:p>
         </p:txBody>
       </p:sp>
@@ -7286,7 +7448,7 @@
         <p:spPr>
           <a:xfrm>
             <a:off x="5519660" y="4821320"/>
-            <a:ext cx="5975225" cy="369332"/>
+            <a:ext cx="6151492" cy="369332"/>
           </a:xfrm>
           <a:prstGeom prst="rect">
             <a:avLst/>
@@ -7305,10 +7467,17 @@
           <a:lstStyle/>
           <a:p>
             <a:r>
-              <a:rPr lang="en-US" dirty="0" smtClean="0"/>
-              <a:t>Suspect’s PC tells the server it is ready to download the photo</a:t>
-            </a:r>
-            <a:endParaRPr lang="en-US" dirty="0"/>
+              <a:rPr lang="en-US" dirty="0"/>
+              <a:t>server tells the Suspect’s PC that it is ready </a:t>
+            </a:r>
+            <a:r>
+              <a:rPr lang="en-US"/>
+              <a:t>to receive </a:t>
+            </a:r>
+            <a:r>
+              <a:rPr lang="en-US" dirty="0"/>
+              <a:t>the photo</a:t>
+            </a:r>
           </a:p>
         </p:txBody>
       </p:sp>
@@ -7391,10 +7560,9 @@
           <a:lstStyle/>
           <a:p>
             <a:r>
-              <a:rPr lang="en-US" dirty="0" smtClean="0"/>
+              <a:rPr lang="en-US" dirty="0"/>
               <a:t>Change time display format</a:t>
             </a:r>
-            <a:endParaRPr lang="en-US" dirty="0"/>
           </a:p>
         </p:txBody>
       </p:sp>
@@ -7453,18 +7621,9 @@
           <a:lstStyle/>
           <a:p>
             <a:r>
-              <a:rPr lang="en-US" dirty="0" smtClean="0"/>
-              <a:t>Show the UTC time (2004-04-20 22:21) that suspect starts to transfer photo (at the </a:t>
-            </a:r>
-            <a:r>
               <a:rPr lang="en-US" dirty="0"/>
-              <a:t>packet </a:t>
-            </a:r>
-            <a:r>
-              <a:rPr lang="en-US" dirty="0" smtClean="0"/>
-              <a:t>1550+1)</a:t>
-            </a:r>
-            <a:endParaRPr lang="en-US" dirty="0"/>
+              <a:t>Show the UTC time (2004-04-20 22:21) that suspect starts to transfer photo (at the packet 1550+1)</a:t>
+            </a:r>
           </a:p>
         </p:txBody>
       </p:sp>
@@ -7571,10 +7730,9 @@
           <a:lstStyle/>
           <a:p>
             <a:r>
-              <a:rPr lang="en-US" dirty="0" smtClean="0"/>
+              <a:rPr lang="en-US" dirty="0"/>
               <a:t>Follow the next packet (1550+1, server to suspect’s PC) to collect all packets </a:t>
             </a:r>
-            <a:endParaRPr lang="en-US" dirty="0"/>
           </a:p>
         </p:txBody>
       </p:sp>
